--- a/02-why_write_tests_why_is_that_hard.pptx
+++ b/02-why_write_tests_why_is_that_hard.pptx
@@ -6611,7 +6611,7 @@
               <a:pPr>
                 <a:defRPr/>
               </a:pPr>
-              <a:t>2016-01-29</a:t>
+              <a:t>2016-02-27</a:t>
             </a:fld>
             <a:endParaRPr lang="en-US" dirty="0"/>
           </a:p>
@@ -6794,7 +6794,7 @@
               <a:pPr>
                 <a:defRPr/>
               </a:pPr>
-              <a:t>2016-01-29</a:t>
+              <a:t>2016-02-27</a:t>
             </a:fld>
             <a:endParaRPr lang="en-US" dirty="0"/>
           </a:p>
@@ -7245,13 +7245,8 @@
             </a:r>
             <a:r>
               <a:rPr lang="en-US" baseline="0" dirty="0" smtClean="0"/>
-              <a:t>y should you write tests? Why is important that we write tests for the recipes and the cookbooks that we define. Some of you here may be because you are starting to see an importance to what testing can provide. Others of you may not be convinced. Wherever you stand the real reason you came here to learn is to break down the barriers that make testing hard. Because testing </a:t>
+              <a:t>y should you write tests? Why is important that we write tests for the recipes and the cookbooks that we define. Some of you here may be because you are starting to see an importance to what testing can provide. Others of you may not be convinced. Wherever you stand the real reason you came here to learn is to break down the barriers that make testing hard. Because testing is hard!</a:t>
             </a:r>
-            <a:r>
-              <a:rPr lang="en-US" baseline="0" dirty="0" smtClean="0"/>
-              <a:t>is hard!</a:t>
-            </a:r>
-            <a:endParaRPr lang="en-US" baseline="0" dirty="0" smtClean="0"/>
           </a:p>
         </p:txBody>
       </p:sp>
@@ -7851,8 +7846,13 @@
             </a:r>
             <a:r>
               <a:rPr lang="en-US" baseline="0" dirty="0" smtClean="0"/>
-              <a:t> I think it is hard to write tests. Now I would like to understand what reasons you see that make testing hard?</a:t>
+              <a:t> I think it is hard to write tests. Now I would like to understand what reasons you see that make </a:t>
             </a:r>
+            <a:r>
+              <a:rPr lang="en-US" baseline="0" smtClean="0"/>
+              <a:t>testing hard.</a:t>
+            </a:r>
+            <a:endParaRPr lang="en-US" baseline="0" dirty="0" smtClean="0"/>
           </a:p>
           <a:p>
             <a:pPr marL="0" marR="0" indent="0" algn="l" defTabSz="1217613" rtl="0" eaLnBrk="1" fontAlgn="base" latinLnBrk="0" hangingPunct="1">
@@ -7896,26 +7896,6 @@
               <a:rPr lang="en-US" baseline="0" dirty="0" smtClean="0"/>
               <a:t>After we have expressed a set of reasons we should leave time within the discussion to discuss ways in which you have made it less hard.</a:t>
             </a:r>
-          </a:p>
-          <a:p>
-            <a:pPr marL="0" marR="0" indent="0" algn="l" defTabSz="1217613" rtl="0" eaLnBrk="1" fontAlgn="base" latinLnBrk="0" hangingPunct="1">
-              <a:lnSpc>
-                <a:spcPct val="90000"/>
-              </a:lnSpc>
-              <a:spcBef>
-                <a:spcPct val="30000"/>
-              </a:spcBef>
-              <a:spcAft>
-                <a:spcPts val="450"/>
-              </a:spcAft>
-              <a:buClrTx/>
-              <a:buSzTx/>
-              <a:buFontTx/>
-              <a:buNone/>
-              <a:tabLst/>
-              <a:defRPr/>
-            </a:pPr>
-            <a:endParaRPr lang="en-US" baseline="0" dirty="0" smtClean="0"/>
           </a:p>
           <a:p>
             <a:pPr marL="0" marR="0" indent="0" algn="l" defTabSz="1217613" rtl="0" eaLnBrk="1" fontAlgn="base" latinLnBrk="0" hangingPunct="1">
@@ -8096,10 +8076,7 @@
               <a:tabLst/>
               <a:defRPr/>
             </a:pPr>
-            <a:r>
-              <a:rPr lang="en-US" baseline="0" dirty="0" smtClean="0"/>
-              <a:t>All of you likely have a personal answer or opinions to these questions. Good. Capture those because we will have a discussion together. To start the discussion I will provide my thoughts and opinions about why I think it is important to write tests. Then I want you to share your thoughts. Then we will discuss the many reasons that testing is hard.</a:t>
-            </a:r>
+            <a:endParaRPr lang="en-US" baseline="0" dirty="0" smtClean="0"/>
           </a:p>
         </p:txBody>
       </p:sp>
@@ -9149,15 +9126,7 @@
             </a:r>
             <a:r>
               <a:rPr lang="en-US" baseline="0" dirty="0" smtClean="0"/>
-              <a:t>y we would validate every change to the cookbook but often do not because the amount of time it takes is far too prohibitive. Instead we often will batch up these changes into a set that we will validate. A set of changes like this can often hide errors </a:t>
-            </a:r>
-            <a:r>
-              <a:rPr lang="en-US" baseline="0" dirty="0" smtClean="0"/>
-              <a:t>that </a:t>
-            </a:r>
-            <a:r>
-              <a:rPr lang="en-US" baseline="0" dirty="0" smtClean="0"/>
-              <a:t>we may have introduced. This is definitely true as the complexity of the cookbook code increases.</a:t>
+              <a:t>y we would validate every change to the cookbook but often do not because the amount of time it takes is far too prohibitive. Instead we often will batch up these changes into a set that we will validate. A set of changes like this can often hide errors that we may have introduced. This is definitely true as the complexity of the cookbook code increases.</a:t>
             </a:r>
           </a:p>
           <a:p>
@@ -9532,24 +9501,28 @@
               <a:defRPr/>
             </a:pPr>
             <a:r>
-              <a:rPr lang="en-US" dirty="0" smtClean="0"/>
+              <a:rPr lang="en-US" smtClean="0"/>
               <a:t>How testing</a:t>
             </a:r>
             <a:r>
-              <a:rPr lang="en-US" baseline="0" dirty="0" smtClean="0"/>
+              <a:rPr lang="en-US" baseline="0" smtClean="0"/>
               <a:t> does </a:t>
             </a:r>
             <a:r>
-              <a:rPr lang="en-US" dirty="0" smtClean="0"/>
-              <a:t>addresses </a:t>
+              <a:rPr lang="en-US" smtClean="0"/>
+              <a:t>address</a:t>
+            </a:r>
+            <a:r>
+              <a:rPr lang="en-US" baseline="0" smtClean="0"/>
+              <a:t> </a:t>
+            </a:r>
+            <a:r>
+              <a:rPr lang="en-US" smtClean="0"/>
+              <a:t>the </a:t>
             </a:r>
             <a:r>
               <a:rPr lang="en-US" dirty="0" smtClean="0"/>
-              <a:t>the speed of execution </a:t>
-            </a:r>
-            <a:r>
-              <a:rPr lang="en-US" dirty="0" smtClean="0"/>
-              <a:t>is </a:t>
+              <a:t>speed of execution is </a:t>
             </a:r>
             <a:r>
               <a:rPr lang="en-US" baseline="0" dirty="0" smtClean="0"/>
@@ -9561,23 +9534,7 @@
             </a:r>
             <a:r>
               <a:rPr lang="en-US" baseline="0" dirty="0" smtClean="0"/>
-              <a:t> the management of virtual machines and the process of executing your recipes against those virtual machines. And second, by </a:t>
-            </a:r>
-            <a:r>
-              <a:rPr lang="en-US" baseline="0" dirty="0" smtClean="0"/>
-              <a:t>allowing you to capture and automate the work that was previously </a:t>
-            </a:r>
-            <a:r>
-              <a:rPr lang="en-US" baseline="0" dirty="0" smtClean="0"/>
-              <a:t>performed </a:t>
-            </a:r>
-            <a:r>
-              <a:rPr lang="en-US" baseline="0" dirty="0" smtClean="0"/>
-              <a:t>in ad hoc verification</a:t>
-            </a:r>
-            <a:r>
-              <a:rPr lang="en-US" baseline="0" dirty="0" smtClean="0"/>
-              <a:t>. </a:t>
+              <a:t> the management of virtual machines and the process of executing your recipes against those virtual machines. And second, by allowing you to capture and automate the work that was previously performed in ad hoc verification. </a:t>
             </a:r>
           </a:p>
         </p:txBody>
@@ -10105,7 +10062,7 @@
               <a:buFont typeface="Arial" pitchFamily="34" charset="0"/>
               <a:buNone/>
               <a:tabLst/>
-              <a:defRPr sz="2800">
+              <a:defRPr sz="2800" b="1">
                 <a:latin typeface="Courier New" panose="02070309020205020404" pitchFamily="49" charset="0"/>
                 <a:cs typeface="Courier New" panose="02070309020205020404" pitchFamily="49" charset="0"/>
               </a:defRPr>
@@ -13987,7 +13944,7 @@
               <a:buFont typeface="Arial" pitchFamily="34" charset="0"/>
               <a:buNone/>
               <a:tabLst/>
-              <a:defRPr sz="2800">
+              <a:defRPr sz="2800" b="1">
                 <a:solidFill>
                   <a:srgbClr val="FFFFFF"/>
                 </a:solidFill>
@@ -14289,7 +14246,7 @@
               <a:buFont typeface="Wingdings" charset="0"/>
               <a:buNone/>
               <a:tabLst/>
-              <a:defRPr sz="2800" baseline="0">
+              <a:defRPr sz="2800" b="1" baseline="0">
                 <a:solidFill>
                   <a:schemeClr val="bg1"/>
                 </a:solidFill>
@@ -14586,7 +14543,7 @@
               <a:buFont typeface="Arial" pitchFamily="34" charset="0"/>
               <a:buNone/>
               <a:tabLst/>
-              <a:defRPr sz="2800">
+              <a:defRPr sz="2800" b="1">
                 <a:solidFill>
                   <a:srgbClr val="FFFFFF"/>
                 </a:solidFill>
@@ -14863,7 +14820,7 @@
               <a:buFont typeface="Arial" pitchFamily="34" charset="0"/>
               <a:buNone/>
               <a:tabLst/>
-              <a:defRPr sz="3200" baseline="0">
+              <a:defRPr sz="3200" b="1" baseline="0">
                 <a:solidFill>
                   <a:schemeClr val="bg1"/>
                 </a:solidFill>
@@ -15120,7 +15077,7 @@
               <a:buFont typeface="Arial" pitchFamily="34" charset="0"/>
               <a:buNone/>
               <a:tabLst/>
-              <a:defRPr sz="2800">
+              <a:defRPr sz="2800" b="1">
                 <a:latin typeface="Courier New" panose="02070309020205020404" pitchFamily="49" charset="0"/>
                 <a:cs typeface="Courier New" panose="02070309020205020404" pitchFamily="49" charset="0"/>
               </a:defRPr>
@@ -15417,7 +15374,7 @@
               <a:buFont typeface="Arial" pitchFamily="34" charset="0"/>
               <a:buNone/>
               <a:tabLst/>
-              <a:defRPr sz="2800" baseline="0">
+              <a:defRPr sz="2800" b="1" baseline="0">
                 <a:latin typeface="Courier New" panose="02070309020205020404" pitchFamily="49" charset="0"/>
                 <a:cs typeface="Courier New" panose="02070309020205020404" pitchFamily="49" charset="0"/>
               </a:defRPr>
@@ -15645,7 +15602,7 @@
               <a:buFont typeface="Arial" pitchFamily="34" charset="0"/>
               <a:buNone/>
               <a:tabLst/>
-              <a:defRPr sz="2800">
+              <a:defRPr sz="2800" b="1">
                 <a:latin typeface="Courier New" panose="02070309020205020404" pitchFamily="49" charset="0"/>
                 <a:cs typeface="Courier New" panose="02070309020205020404" pitchFamily="49" charset="0"/>
               </a:defRPr>
@@ -17644,6 +17601,13 @@
   <p:transition spd="med">
     <p:fade/>
   </p:transition>
+  <p:timing>
+    <p:tnLst>
+      <p:par>
+        <p:cTn id="1" dur="indefinite" restart="never" nodeType="tmRoot"/>
+      </p:par>
+    </p:tnLst>
+  </p:timing>
 </p:sld>
 </file>
 
@@ -17725,6 +17689,13 @@
   <p:transition spd="med">
     <p:fade/>
   </p:transition>
+  <p:timing>
+    <p:tnLst>
+      <p:par>
+        <p:cTn id="1" dur="indefinite" restart="never" nodeType="tmRoot"/>
+      </p:par>
+    </p:tnLst>
+  </p:timing>
 </p:sld>
 </file>
 
@@ -18260,6 +18231,13 @@
   <p:transition spd="med">
     <p:fade/>
   </p:transition>
+  <p:timing>
+    <p:tnLst>
+      <p:par>
+        <p:cTn id="1" dur="indefinite" restart="never" nodeType="tmRoot"/>
+      </p:par>
+    </p:tnLst>
+  </p:timing>
 </p:sld>
 </file>
 
@@ -19501,6 +19479,13 @@
   <p:transition spd="med">
     <p:fade/>
   </p:transition>
+  <p:timing>
+    <p:tnLst>
+      <p:par>
+        <p:cTn id="1" dur="indefinite" restart="never" nodeType="tmRoot"/>
+      </p:par>
+    </p:tnLst>
+  </p:timing>
 </p:sld>
 </file>
 

--- a/02-why_write_tests_why_is_that_hard.pptx
+++ b/02-why_write_tests_why_is_that_hard.pptx
@@ -6611,7 +6611,7 @@
               <a:pPr>
                 <a:defRPr/>
               </a:pPr>
-              <a:t>2016-02-27</a:t>
+              <a:t>2016-02-28</a:t>
             </a:fld>
             <a:endParaRPr lang="en-US" dirty="0"/>
           </a:p>
@@ -6794,7 +6794,7 @@
               <a:pPr>
                 <a:defRPr/>
               </a:pPr>
-              <a:t>2016-02-27</a:t>
+              <a:t>2016-02-28</a:t>
             </a:fld>
             <a:endParaRPr lang="en-US" dirty="0"/>
           </a:p>
@@ -7546,7 +7546,15 @@
           <a:p>
             <a:r>
               <a:rPr lang="en-US" baseline="0" dirty="0" smtClean="0"/>
-              <a:t>Testing requires asks you to solve a different problem in a different order when compared to process of writing software. You have to overcome particular challenges created by an implementation and express the desired expectations of that implementation before it is even built.</a:t>
+              <a:t>Testing </a:t>
+            </a:r>
+            <a:r>
+              <a:rPr lang="en-US" baseline="0" dirty="0" smtClean="0"/>
+              <a:t>asks </a:t>
+            </a:r>
+            <a:r>
+              <a:rPr lang="en-US" baseline="0" dirty="0" smtClean="0"/>
+              <a:t>you to solve a different problem in a different order when compared to process of writing software. You have to overcome particular challenges created by an implementation and express the desired expectations of that implementation before it is even built.</a:t>
             </a:r>
           </a:p>
         </p:txBody>
@@ -7687,7 +7695,15 @@
             </a:r>
             <a:r>
               <a:rPr lang="en-US" baseline="0" dirty="0" smtClean="0"/>
-              <a:t> also asks you to change your behaviors through the new tools required to execute the tests. These tools represent a huge domain of knowledge expressed in all the commands, flags, and configuration that must be understood to be used correctly and then effectively as the complexity of your testing tools grow. The largest, and most immediate impact is on your development workflow which has to adopt new, steps that feel unsure and even more unreliable as you receive a barrage of feedback in unfamiliar formats.</a:t>
+              <a:t> also asks you to change your behaviors through the new tools required to execute the tests. These tools represent a huge domain of knowledge expressed in all the commands, flags, and configuration that must be understood to be used correctly and then effectively as the complexity of your testing tools grow. The largest, and most immediate impact is on your development workflow which has to adopt </a:t>
+            </a:r>
+            <a:r>
+              <a:rPr lang="en-US" baseline="0" dirty="0" smtClean="0"/>
+              <a:t>new </a:t>
+            </a:r>
+            <a:r>
+              <a:rPr lang="en-US" baseline="0" dirty="0" smtClean="0"/>
+              <a:t>steps that feel unsure and even more unreliable as you receive a barrage of feedback in unfamiliar formats.</a:t>
             </a:r>
             <a:endParaRPr lang="en-US" dirty="0"/>
           </a:p>
@@ -8076,6 +8092,14 @@
               <a:tabLst/>
               <a:defRPr/>
             </a:pPr>
+            <a:r>
+              <a:rPr lang="en-US" baseline="0" dirty="0" smtClean="0"/>
+              <a:t>With our two discussions complete lets pause now for any questions that were not covered or even came out of </a:t>
+            </a:r>
+            <a:r>
+              <a:rPr lang="en-US" baseline="0" smtClean="0"/>
+              <a:t>the discussions.</a:t>
+            </a:r>
             <a:endParaRPr lang="en-US" baseline="0" dirty="0" smtClean="0"/>
           </a:p>
         </p:txBody>
@@ -8216,7 +8240,15 @@
             </a:r>
             <a:r>
               <a:rPr lang="en-US" baseline="0" dirty="0" smtClean="0"/>
-              <a:t> we complete this discussion and start learning some of these new tools and languages let us pause for questions.</a:t>
+              <a:t> we complete this </a:t>
+            </a:r>
+            <a:r>
+              <a:rPr lang="en-US" baseline="0" dirty="0" smtClean="0"/>
+              <a:t>section and </a:t>
+            </a:r>
+            <a:r>
+              <a:rPr lang="en-US" baseline="0" dirty="0" smtClean="0"/>
+              <a:t>start learning some of these new tools and languages let us pause for questions.</a:t>
             </a:r>
             <a:endParaRPr lang="en-US" dirty="0"/>
           </a:p>
@@ -8831,7 +8863,51 @@
             </a:pPr>
             <a:r>
               <a:rPr lang="en-US" baseline="0" dirty="0" smtClean="0"/>
-              <a:t>We login to a test node that we patiently bootstrap into a union environment. This is an environment we setup with no cookbook restrictions allowing chef-client to synchronize and apply the latest changes in the recently completed cookbook. Here we see if we got the right package names, spelled all our cookbook attributes correctly, and didn't typo any of the configuration in the templates. If everything converges without error we poke around the system -- running a few commands to see if ports are blocked, services are running, and the logs don't show any errors. Logging out of the working system we feel pretty comfortable promoting the cookbook to the rehearsal environment.</a:t>
+              <a:t>You login </a:t>
+            </a:r>
+            <a:r>
+              <a:rPr lang="en-US" baseline="0" dirty="0" smtClean="0"/>
+              <a:t>to a test node that </a:t>
+            </a:r>
+            <a:r>
+              <a:rPr lang="en-US" baseline="0" dirty="0" smtClean="0"/>
+              <a:t>you patiently </a:t>
+            </a:r>
+            <a:r>
+              <a:rPr lang="en-US" baseline="0" dirty="0" smtClean="0"/>
+              <a:t>bootstrap into a union environment. This is an environment we setup with no cookbook restrictions allowing chef-client to synchronize and apply the latest changes in the recently completed cookbook. Here </a:t>
+            </a:r>
+            <a:r>
+              <a:rPr lang="en-US" baseline="0" dirty="0" smtClean="0"/>
+              <a:t>you see </a:t>
+            </a:r>
+            <a:r>
+              <a:rPr lang="en-US" baseline="0" dirty="0" smtClean="0"/>
+              <a:t>if </a:t>
+            </a:r>
+            <a:r>
+              <a:rPr lang="en-US" baseline="0" dirty="0" smtClean="0"/>
+              <a:t>you got </a:t>
+            </a:r>
+            <a:r>
+              <a:rPr lang="en-US" baseline="0" dirty="0" smtClean="0"/>
+              <a:t>the right package names, spelled all our cookbook attributes correctly, and didn't typo any of the configuration in the templates. If everything converges without error </a:t>
+            </a:r>
+            <a:r>
+              <a:rPr lang="en-US" baseline="0" dirty="0" smtClean="0"/>
+              <a:t>you poke </a:t>
+            </a:r>
+            <a:r>
+              <a:rPr lang="en-US" baseline="0" dirty="0" smtClean="0"/>
+              <a:t>around the system -- running a few commands to see if ports are blocked, services are running, and the logs don't show any errors. Logging out of the working system </a:t>
+            </a:r>
+            <a:r>
+              <a:rPr lang="en-US" baseline="0" dirty="0" smtClean="0"/>
+              <a:t>you feel </a:t>
+            </a:r>
+            <a:r>
+              <a:rPr lang="en-US" baseline="0" dirty="0" smtClean="0"/>
+              <a:t>pretty comfortable promoting the cookbook to the rehearsal environment.</a:t>
             </a:r>
           </a:p>
         </p:txBody>
@@ -8985,7 +9061,31 @@
             </a:pPr>
             <a:r>
               <a:rPr lang="en-US" baseline="0" dirty="0" smtClean="0"/>
-              <a:t>Here in this new environment we may log into another system. Manually perform a chef-client run and then poke around again if everything works. We also may not. It was such a small change and everything worked on the other machine -- so it's likely to work here. Right? Instead of running through a series of ad-hoc verifications again on a new system in this environment - we start to think of the backlog of things that need to get done.</a:t>
+              <a:t>Here in this new environment </a:t>
+            </a:r>
+            <a:r>
+              <a:rPr lang="en-US" baseline="0" dirty="0" smtClean="0"/>
+              <a:t>you may </a:t>
+            </a:r>
+            <a:r>
+              <a:rPr lang="en-US" baseline="0" dirty="0" smtClean="0"/>
+              <a:t>log into another system. Manually perform a chef-client run and then poke around again if everything works. </a:t>
+            </a:r>
+            <a:r>
+              <a:rPr lang="en-US" baseline="0" dirty="0" smtClean="0"/>
+              <a:t>You also </a:t>
+            </a:r>
+            <a:r>
+              <a:rPr lang="en-US" baseline="0" dirty="0" smtClean="0"/>
+              <a:t>may not. It was such a small change and everything worked on the other machine -- so it's likely to work here. Right? Instead of running through a series of ad-hoc verifications again on a new system in this environment - </a:t>
+            </a:r>
+            <a:r>
+              <a:rPr lang="en-US" baseline="0" dirty="0" smtClean="0"/>
+              <a:t>you start </a:t>
+            </a:r>
+            <a:r>
+              <a:rPr lang="en-US" baseline="0" dirty="0" smtClean="0"/>
+              <a:t>to think of the backlog of things that need to get done.</a:t>
             </a:r>
           </a:p>
         </p:txBody>
@@ -10375,14 +10475,14 @@
           </a:ln>
           <a:extLst>
             <a:ext uri="{909E8E84-426E-40dd-AFC4-6F175D3DCCD1}">
-              <a14:hiddenFill xmlns:a14="http://schemas.microsoft.com/office/drawing/2010/main" xmlns="">
+              <a14:hiddenFill xmlns="" xmlns:a14="http://schemas.microsoft.com/office/drawing/2010/main">
                 <a:solidFill>
                   <a:srgbClr val="FFFFFF"/>
                 </a:solidFill>
               </a14:hiddenFill>
             </a:ext>
             <a:ext uri="{91240B29-F687-4f45-9708-019B960494DF}">
-              <a14:hiddenLine xmlns:a14="http://schemas.microsoft.com/office/drawing/2010/main" xmlns="" w="9525">
+              <a14:hiddenLine xmlns="" xmlns:a14="http://schemas.microsoft.com/office/drawing/2010/main" w="9525">
                 <a:solidFill>
                   <a:srgbClr val="000000"/>
                 </a:solidFill>
@@ -10530,14 +10630,14 @@
           </a:ln>
           <a:extLst>
             <a:ext uri="{909E8E84-426E-40dd-AFC4-6F175D3DCCD1}">
-              <a14:hiddenFill xmlns:a14="http://schemas.microsoft.com/office/drawing/2010/main" xmlns="">
+              <a14:hiddenFill xmlns="" xmlns:a14="http://schemas.microsoft.com/office/drawing/2010/main">
                 <a:solidFill>
                   <a:srgbClr val="FFFFFF"/>
                 </a:solidFill>
               </a14:hiddenFill>
             </a:ext>
             <a:ext uri="{91240B29-F687-4f45-9708-019B960494DF}">
-              <a14:hiddenLine xmlns:a14="http://schemas.microsoft.com/office/drawing/2010/main" xmlns="" w="9525">
+              <a14:hiddenLine xmlns="" xmlns:a14="http://schemas.microsoft.com/office/drawing/2010/main" w="9525">
                 <a:solidFill>
                   <a:srgbClr val="000000"/>
                 </a:solidFill>
@@ -11028,14 +11128,14 @@
           </a:ln>
           <a:extLst>
             <a:ext uri="{909E8E84-426E-40dd-AFC4-6F175D3DCCD1}">
-              <a14:hiddenFill xmlns:a14="http://schemas.microsoft.com/office/drawing/2010/main" xmlns="">
+              <a14:hiddenFill xmlns="" xmlns:a14="http://schemas.microsoft.com/office/drawing/2010/main">
                 <a:solidFill>
                   <a:srgbClr val="FFFFFF"/>
                 </a:solidFill>
               </a14:hiddenFill>
             </a:ext>
             <a:ext uri="{91240B29-F687-4f45-9708-019B960494DF}">
-              <a14:hiddenLine xmlns:a14="http://schemas.microsoft.com/office/drawing/2010/main" xmlns="" w="9525">
+              <a14:hiddenLine xmlns="" xmlns:a14="http://schemas.microsoft.com/office/drawing/2010/main" w="9525">
                 <a:solidFill>
                   <a:srgbClr val="000000"/>
                 </a:solidFill>
@@ -12484,14 +12584,14 @@
           </a:ln>
           <a:extLst>
             <a:ext uri="{909E8E84-426E-40dd-AFC4-6F175D3DCCD1}">
-              <a14:hiddenFill xmlns:a14="http://schemas.microsoft.com/office/drawing/2010/main" xmlns="">
+              <a14:hiddenFill xmlns="" xmlns:a14="http://schemas.microsoft.com/office/drawing/2010/main">
                 <a:solidFill>
                   <a:srgbClr val="FFFFFF"/>
                 </a:solidFill>
               </a14:hiddenFill>
             </a:ext>
             <a:ext uri="{91240B29-F687-4f45-9708-019B960494DF}">
-              <a14:hiddenLine xmlns:a14="http://schemas.microsoft.com/office/drawing/2010/main" xmlns="" w="9525">
+              <a14:hiddenLine xmlns="" xmlns:a14="http://schemas.microsoft.com/office/drawing/2010/main" w="9525">
                 <a:solidFill>
                   <a:srgbClr val="000000"/>
                 </a:solidFill>
@@ -13845,14 +13945,14 @@
           </a:ln>
           <a:extLst>
             <a:ext uri="{909E8E84-426E-40dd-AFC4-6F175D3DCCD1}">
-              <a14:hiddenFill xmlns:a14="http://schemas.microsoft.com/office/drawing/2010/main" xmlns="">
+              <a14:hiddenFill xmlns="" xmlns:a14="http://schemas.microsoft.com/office/drawing/2010/main">
                 <a:solidFill>
                   <a:srgbClr val="FFFFFF"/>
                 </a:solidFill>
               </a14:hiddenFill>
             </a:ext>
             <a:ext uri="{91240B29-F687-4f45-9708-019B960494DF}">
-              <a14:hiddenLine xmlns:a14="http://schemas.microsoft.com/office/drawing/2010/main" xmlns="" w="9525">
+              <a14:hiddenLine xmlns="" xmlns:a14="http://schemas.microsoft.com/office/drawing/2010/main" w="9525">
                 <a:solidFill>
                   <a:srgbClr val="000000"/>
                 </a:solidFill>
@@ -14410,14 +14510,14 @@
           </a:ln>
           <a:extLst>
             <a:ext uri="{909E8E84-426E-40dd-AFC4-6F175D3DCCD1}">
-              <a14:hiddenFill xmlns:a14="http://schemas.microsoft.com/office/drawing/2010/main" xmlns="">
+              <a14:hiddenFill xmlns="" xmlns:a14="http://schemas.microsoft.com/office/drawing/2010/main">
                 <a:solidFill>
                   <a:srgbClr val="FFFFFF"/>
                 </a:solidFill>
               </a14:hiddenFill>
             </a:ext>
             <a:ext uri="{91240B29-F687-4f45-9708-019B960494DF}">
-              <a14:hiddenLine xmlns:a14="http://schemas.microsoft.com/office/drawing/2010/main" xmlns="" w="9525">
+              <a14:hiddenLine xmlns="" xmlns:a14="http://schemas.microsoft.com/office/drawing/2010/main" w="9525">
                 <a:solidFill>
                   <a:srgbClr val="000000"/>
                 </a:solidFill>
@@ -14984,14 +15084,14 @@
           </a:ln>
           <a:extLst>
             <a:ext uri="{909E8E84-426E-40dd-AFC4-6F175D3DCCD1}">
-              <a14:hiddenFill xmlns:a14="http://schemas.microsoft.com/office/drawing/2010/main" xmlns="">
+              <a14:hiddenFill xmlns="" xmlns:a14="http://schemas.microsoft.com/office/drawing/2010/main">
                 <a:solidFill>
                   <a:srgbClr val="FFFFFF"/>
                 </a:solidFill>
               </a14:hiddenFill>
             </a:ext>
             <a:ext uri="{91240B29-F687-4f45-9708-019B960494DF}">
-              <a14:hiddenLine xmlns:a14="http://schemas.microsoft.com/office/drawing/2010/main" xmlns="" w="9525">
+              <a14:hiddenLine xmlns="" xmlns:a14="http://schemas.microsoft.com/office/drawing/2010/main" w="9525">
                 <a:solidFill>
                   <a:srgbClr val="000000"/>
                 </a:solidFill>
@@ -15931,14 +16031,14 @@
           </a:ln>
           <a:extLst>
             <a:ext uri="{909E8E84-426E-40dd-AFC4-6F175D3DCCD1}">
-              <a14:hiddenFill xmlns:a14="http://schemas.microsoft.com/office/drawing/2010/main" xmlns="">
+              <a14:hiddenFill xmlns="" xmlns:a14="http://schemas.microsoft.com/office/drawing/2010/main">
                 <a:solidFill>
                   <a:srgbClr val="FFFFFF"/>
                 </a:solidFill>
               </a14:hiddenFill>
             </a:ext>
             <a:ext uri="{91240B29-F687-4f45-9708-019B960494DF}">
-              <a14:hiddenLine xmlns:a14="http://schemas.microsoft.com/office/drawing/2010/main" xmlns="" w="9525">
+              <a14:hiddenLine xmlns="" xmlns:a14="http://schemas.microsoft.com/office/drawing/2010/main" w="9525">
                 <a:solidFill>
                   <a:srgbClr val="000000"/>
                 </a:solidFill>
@@ -16678,14 +16778,14 @@
           </a:ln>
           <a:extLst>
             <a:ext uri="{909E8E84-426E-40dd-AFC4-6F175D3DCCD1}">
-              <a14:hiddenFill xmlns:a14="http://schemas.microsoft.com/office/drawing/2010/main" xmlns="">
+              <a14:hiddenFill xmlns="" xmlns:a14="http://schemas.microsoft.com/office/drawing/2010/main">
                 <a:solidFill>
                   <a:srgbClr val="FFFFFF"/>
                 </a:solidFill>
               </a14:hiddenFill>
             </a:ext>
             <a:ext uri="{91240B29-F687-4f45-9708-019B960494DF}">
-              <a14:hiddenLine xmlns:a14="http://schemas.microsoft.com/office/drawing/2010/main" xmlns="" w="9525">
+              <a14:hiddenLine xmlns="" xmlns:a14="http://schemas.microsoft.com/office/drawing/2010/main" w="9525">
                 <a:solidFill>
                   <a:srgbClr val="000000"/>
                 </a:solidFill>

--- a/02-why_write_tests_why_is_that_hard.pptx
+++ b/02-why_write_tests_why_is_that_hard.pptx
@@ -6611,7 +6611,7 @@
               <a:pPr>
                 <a:defRPr/>
               </a:pPr>
-              <a:t>2016-02-28</a:t>
+              <a:t>2016-02-29</a:t>
             </a:fld>
             <a:endParaRPr lang="en-US" dirty="0"/>
           </a:p>
@@ -6794,7 +6794,7 @@
               <a:pPr>
                 <a:defRPr/>
               </a:pPr>
-              <a:t>2016-02-28</a:t>
+              <a:t>2016-02-29</a:t>
             </a:fld>
             <a:endParaRPr lang="en-US" dirty="0"/>
           </a:p>
@@ -7546,15 +7546,7 @@
           <a:p>
             <a:r>
               <a:rPr lang="en-US" baseline="0" dirty="0" smtClean="0"/>
-              <a:t>Testing </a:t>
-            </a:r>
-            <a:r>
-              <a:rPr lang="en-US" baseline="0" dirty="0" smtClean="0"/>
-              <a:t>asks </a:t>
-            </a:r>
-            <a:r>
-              <a:rPr lang="en-US" baseline="0" dirty="0" smtClean="0"/>
-              <a:t>you to solve a different problem in a different order when compared to process of writing software. You have to overcome particular challenges created by an implementation and express the desired expectations of that implementation before it is even built.</a:t>
+              <a:t>Testing asks you to solve a different problem in a different order when compared to process of writing software. You have to overcome particular challenges created by an implementation and express the desired expectations of that implementation before it is even built.</a:t>
             </a:r>
           </a:p>
         </p:txBody>
@@ -7695,15 +7687,7 @@
             </a:r>
             <a:r>
               <a:rPr lang="en-US" baseline="0" dirty="0" smtClean="0"/>
-              <a:t> also asks you to change your behaviors through the new tools required to execute the tests. These tools represent a huge domain of knowledge expressed in all the commands, flags, and configuration that must be understood to be used correctly and then effectively as the complexity of your testing tools grow. The largest, and most immediate impact is on your development workflow which has to adopt </a:t>
-            </a:r>
-            <a:r>
-              <a:rPr lang="en-US" baseline="0" dirty="0" smtClean="0"/>
-              <a:t>new </a:t>
-            </a:r>
-            <a:r>
-              <a:rPr lang="en-US" baseline="0" dirty="0" smtClean="0"/>
-              <a:t>steps that feel unsure and even more unreliable as you receive a barrage of feedback in unfamiliar formats.</a:t>
+              <a:t> also asks you to change your behaviors through the new tools required to execute the tests. These tools represent a huge domain of knowledge expressed in all the commands, flags, and configuration that must be understood to be used correctly and then effectively as the complexity of your testing tools grow. The largest, and most immediate impact is on your development workflow which has to adopt new steps that feel unsure and even more unreliable as you receive a barrage of feedback in unfamiliar formats.</a:t>
             </a:r>
             <a:endParaRPr lang="en-US" dirty="0"/>
           </a:p>
@@ -8240,15 +8224,7 @@
             </a:r>
             <a:r>
               <a:rPr lang="en-US" baseline="0" dirty="0" smtClean="0"/>
-              <a:t> we complete this </a:t>
-            </a:r>
-            <a:r>
-              <a:rPr lang="en-US" baseline="0" dirty="0" smtClean="0"/>
-              <a:t>section and </a:t>
-            </a:r>
-            <a:r>
-              <a:rPr lang="en-US" baseline="0" dirty="0" smtClean="0"/>
-              <a:t>start learning some of these new tools and languages let us pause for questions.</a:t>
+              <a:t> we complete this section and start learning some of these new tools and languages let us pause for questions.</a:t>
             </a:r>
             <a:endParaRPr lang="en-US" dirty="0"/>
           </a:p>
@@ -8863,51 +8839,7 @@
             </a:pPr>
             <a:r>
               <a:rPr lang="en-US" baseline="0" dirty="0" smtClean="0"/>
-              <a:t>You login </a:t>
-            </a:r>
-            <a:r>
-              <a:rPr lang="en-US" baseline="0" dirty="0" smtClean="0"/>
-              <a:t>to a test node that </a:t>
-            </a:r>
-            <a:r>
-              <a:rPr lang="en-US" baseline="0" dirty="0" smtClean="0"/>
-              <a:t>you patiently </a:t>
-            </a:r>
-            <a:r>
-              <a:rPr lang="en-US" baseline="0" dirty="0" smtClean="0"/>
-              <a:t>bootstrap into a union environment. This is an environment we setup with no cookbook restrictions allowing chef-client to synchronize and apply the latest changes in the recently completed cookbook. Here </a:t>
-            </a:r>
-            <a:r>
-              <a:rPr lang="en-US" baseline="0" dirty="0" smtClean="0"/>
-              <a:t>you see </a:t>
-            </a:r>
-            <a:r>
-              <a:rPr lang="en-US" baseline="0" dirty="0" smtClean="0"/>
-              <a:t>if </a:t>
-            </a:r>
-            <a:r>
-              <a:rPr lang="en-US" baseline="0" dirty="0" smtClean="0"/>
-              <a:t>you got </a:t>
-            </a:r>
-            <a:r>
-              <a:rPr lang="en-US" baseline="0" dirty="0" smtClean="0"/>
-              <a:t>the right package names, spelled all our cookbook attributes correctly, and didn't typo any of the configuration in the templates. If everything converges without error </a:t>
-            </a:r>
-            <a:r>
-              <a:rPr lang="en-US" baseline="0" dirty="0" smtClean="0"/>
-              <a:t>you poke </a:t>
-            </a:r>
-            <a:r>
-              <a:rPr lang="en-US" baseline="0" dirty="0" smtClean="0"/>
-              <a:t>around the system -- running a few commands to see if ports are blocked, services are running, and the logs don't show any errors. Logging out of the working system </a:t>
-            </a:r>
-            <a:r>
-              <a:rPr lang="en-US" baseline="0" dirty="0" smtClean="0"/>
-              <a:t>you feel </a:t>
-            </a:r>
-            <a:r>
-              <a:rPr lang="en-US" baseline="0" dirty="0" smtClean="0"/>
-              <a:t>pretty comfortable promoting the cookbook to the rehearsal environment.</a:t>
+              <a:t>You login to a test node that you patiently bootstrap into a union environment. This is an environment we setup with no cookbook restrictions allowing chef-client to synchronize and apply the latest changes in the recently completed cookbook. Here you see if you got the right package names, spelled all our cookbook attributes correctly, and didn't typo any of the configuration in the templates. If everything converges without error you poke around the system -- running a few commands to see if ports are blocked, services are running, and the logs don't show any errors. Logging out of the working system you feel pretty comfortable promoting the cookbook to the rehearsal environment.</a:t>
             </a:r>
           </a:p>
         </p:txBody>
@@ -9061,31 +8993,7 @@
             </a:pPr>
             <a:r>
               <a:rPr lang="en-US" baseline="0" dirty="0" smtClean="0"/>
-              <a:t>Here in this new environment </a:t>
-            </a:r>
-            <a:r>
-              <a:rPr lang="en-US" baseline="0" dirty="0" smtClean="0"/>
-              <a:t>you may </a:t>
-            </a:r>
-            <a:r>
-              <a:rPr lang="en-US" baseline="0" dirty="0" smtClean="0"/>
-              <a:t>log into another system. Manually perform a chef-client run and then poke around again if everything works. </a:t>
-            </a:r>
-            <a:r>
-              <a:rPr lang="en-US" baseline="0" dirty="0" smtClean="0"/>
-              <a:t>You also </a:t>
-            </a:r>
-            <a:r>
-              <a:rPr lang="en-US" baseline="0" dirty="0" smtClean="0"/>
-              <a:t>may not. It was such a small change and everything worked on the other machine -- so it's likely to work here. Right? Instead of running through a series of ad-hoc verifications again on a new system in this environment - </a:t>
-            </a:r>
-            <a:r>
-              <a:rPr lang="en-US" baseline="0" dirty="0" smtClean="0"/>
-              <a:t>you start </a:t>
-            </a:r>
-            <a:r>
-              <a:rPr lang="en-US" baseline="0" dirty="0" smtClean="0"/>
-              <a:t>to think of the backlog of things that need to get done.</a:t>
+              <a:t>Here in this new environment you may log into another system. Manually perform a chef-client run and then poke around again if everything works. You also may not. It was such a small change and everything worked on the other machine -- so it's likely to work here. Right? Instead of running through a series of ad-hoc verifications again on a new system in this environment - you start to think of the backlog of things that need to get done.</a:t>
             </a:r>
           </a:p>
         </p:txBody>
@@ -10050,6 +9958,13 @@
   <p:transition spd="med">
     <p:fade/>
   </p:transition>
+  <p:timing>
+    <p:tnLst>
+      <p:par>
+        <p:cTn id="1" dur="indefinite" restart="never" nodeType="tmRoot"/>
+      </p:par>
+    </p:tnLst>
+  </p:timing>
 </p:sldLayout>
 </file>
 
@@ -10345,6 +10260,13 @@
   <p:transition spd="med">
     <p:fade/>
   </p:transition>
+  <p:timing>
+    <p:tnLst>
+      <p:par>
+        <p:cTn id="1" dur="indefinite" restart="never" nodeType="tmRoot"/>
+      </p:par>
+    </p:tnLst>
+  </p:timing>
 </p:sldLayout>
 </file>
 
@@ -10475,14 +10397,14 @@
           </a:ln>
           <a:extLst>
             <a:ext uri="{909E8E84-426E-40dd-AFC4-6F175D3DCCD1}">
-              <a14:hiddenFill xmlns="" xmlns:a14="http://schemas.microsoft.com/office/drawing/2010/main">
+              <a14:hiddenFill xmlns:a14="http://schemas.microsoft.com/office/drawing/2010/main" xmlns="">
                 <a:solidFill>
                   <a:srgbClr val="FFFFFF"/>
                 </a:solidFill>
               </a14:hiddenFill>
             </a:ext>
             <a:ext uri="{91240B29-F687-4f45-9708-019B960494DF}">
-              <a14:hiddenLine xmlns="" xmlns:a14="http://schemas.microsoft.com/office/drawing/2010/main" w="9525">
+              <a14:hiddenLine xmlns:a14="http://schemas.microsoft.com/office/drawing/2010/main" xmlns="" w="9525">
                 <a:solidFill>
                   <a:srgbClr val="000000"/>
                 </a:solidFill>
@@ -10630,14 +10552,14 @@
           </a:ln>
           <a:extLst>
             <a:ext uri="{909E8E84-426E-40dd-AFC4-6F175D3DCCD1}">
-              <a14:hiddenFill xmlns="" xmlns:a14="http://schemas.microsoft.com/office/drawing/2010/main">
+              <a14:hiddenFill xmlns:a14="http://schemas.microsoft.com/office/drawing/2010/main" xmlns="">
                 <a:solidFill>
                   <a:srgbClr val="FFFFFF"/>
                 </a:solidFill>
               </a14:hiddenFill>
             </a:ext>
             <a:ext uri="{91240B29-F687-4f45-9708-019B960494DF}">
-              <a14:hiddenLine xmlns="" xmlns:a14="http://schemas.microsoft.com/office/drawing/2010/main" w="9525">
+              <a14:hiddenLine xmlns:a14="http://schemas.microsoft.com/office/drawing/2010/main" xmlns="" w="9525">
                 <a:solidFill>
                   <a:srgbClr val="000000"/>
                 </a:solidFill>
@@ -11038,6 +10960,13 @@
   <p:transition spd="med">
     <p:fade/>
   </p:transition>
+  <p:timing>
+    <p:tnLst>
+      <p:par>
+        <p:cTn id="1" dur="indefinite" restart="never" nodeType="tmRoot"/>
+      </p:par>
+    </p:tnLst>
+  </p:timing>
 </p:sldLayout>
 </file>
 
@@ -11128,14 +11057,14 @@
           </a:ln>
           <a:extLst>
             <a:ext uri="{909E8E84-426E-40dd-AFC4-6F175D3DCCD1}">
-              <a14:hiddenFill xmlns="" xmlns:a14="http://schemas.microsoft.com/office/drawing/2010/main">
+              <a14:hiddenFill xmlns:a14="http://schemas.microsoft.com/office/drawing/2010/main" xmlns="">
                 <a:solidFill>
                   <a:srgbClr val="FFFFFF"/>
                 </a:solidFill>
               </a14:hiddenFill>
             </a:ext>
             <a:ext uri="{91240B29-F687-4f45-9708-019B960494DF}">
-              <a14:hiddenLine xmlns="" xmlns:a14="http://schemas.microsoft.com/office/drawing/2010/main" w="9525">
+              <a14:hiddenLine xmlns:a14="http://schemas.microsoft.com/office/drawing/2010/main" xmlns="" w="9525">
                 <a:solidFill>
                   <a:srgbClr val="000000"/>
                 </a:solidFill>
@@ -11160,6 +11089,13 @@
   <p:transition spd="med">
     <p:fade/>
   </p:transition>
+  <p:timing>
+    <p:tnLst>
+      <p:par>
+        <p:cTn id="1" dur="indefinite" restart="never" nodeType="tmRoot"/>
+      </p:par>
+    </p:tnLst>
+  </p:timing>
 </p:sldLayout>
 </file>
 
@@ -11447,6 +11383,13 @@
   <p:transition spd="med">
     <p:fade/>
   </p:transition>
+  <p:timing>
+    <p:tnLst>
+      <p:par>
+        <p:cTn id="1" dur="indefinite" restart="never" nodeType="tmRoot"/>
+      </p:par>
+    </p:tnLst>
+  </p:timing>
 </p:sldLayout>
 </file>
 
@@ -11734,6 +11677,13 @@
   <p:transition spd="med">
     <p:fade/>
   </p:transition>
+  <p:timing>
+    <p:tnLst>
+      <p:par>
+        <p:cTn id="1" dur="indefinite" restart="never" nodeType="tmRoot"/>
+      </p:par>
+    </p:tnLst>
+  </p:timing>
 </p:sldLayout>
 </file>
 
@@ -12083,6 +12033,13 @@
   <p:transition spd="med">
     <p:fade/>
   </p:transition>
+  <p:timing>
+    <p:tnLst>
+      <p:par>
+        <p:cTn id="1" dur="indefinite" restart="never" nodeType="tmRoot"/>
+      </p:par>
+    </p:tnLst>
+  </p:timing>
 </p:sldLayout>
 </file>
 
@@ -12370,6 +12327,13 @@
   <p:transition spd="med">
     <p:fade/>
   </p:transition>
+  <p:timing>
+    <p:tnLst>
+      <p:par>
+        <p:cTn id="1" dur="indefinite" restart="never" nodeType="tmRoot"/>
+      </p:par>
+    </p:tnLst>
+  </p:timing>
 </p:sldLayout>
 </file>
 
@@ -12584,14 +12548,14 @@
           </a:ln>
           <a:extLst>
             <a:ext uri="{909E8E84-426E-40dd-AFC4-6F175D3DCCD1}">
-              <a14:hiddenFill xmlns="" xmlns:a14="http://schemas.microsoft.com/office/drawing/2010/main">
+              <a14:hiddenFill xmlns:a14="http://schemas.microsoft.com/office/drawing/2010/main" xmlns="">
                 <a:solidFill>
                   <a:srgbClr val="FFFFFF"/>
                 </a:solidFill>
               </a14:hiddenFill>
             </a:ext>
             <a:ext uri="{91240B29-F687-4f45-9708-019B960494DF}">
-              <a14:hiddenLine xmlns="" xmlns:a14="http://schemas.microsoft.com/office/drawing/2010/main" w="9525">
+              <a14:hiddenLine xmlns:a14="http://schemas.microsoft.com/office/drawing/2010/main" xmlns="" w="9525">
                 <a:solidFill>
                   <a:srgbClr val="000000"/>
                 </a:solidFill>
@@ -12791,6 +12755,13 @@
   <p:transition spd="med">
     <p:fade/>
   </p:transition>
+  <p:timing>
+    <p:tnLst>
+      <p:par>
+        <p:cTn id="1" dur="indefinite" restart="never" nodeType="tmRoot"/>
+      </p:par>
+    </p:tnLst>
+  </p:timing>
 </p:sldLayout>
 </file>
 
@@ -13079,6 +13050,13 @@
   <p:transition spd="med">
     <p:fade/>
   </p:transition>
+  <p:timing>
+    <p:tnLst>
+      <p:par>
+        <p:cTn id="1" dur="indefinite" restart="never" nodeType="tmRoot"/>
+      </p:par>
+    </p:tnLst>
+  </p:timing>
 </p:sldLayout>
 </file>
 
@@ -13391,6 +13369,13 @@
   <p:transition spd="med">
     <p:fade/>
   </p:transition>
+  <p:timing>
+    <p:tnLst>
+      <p:par>
+        <p:cTn id="1" dur="indefinite" restart="never" nodeType="tmRoot"/>
+      </p:par>
+    </p:tnLst>
+  </p:timing>
 </p:sldLayout>
 </file>
 
@@ -13568,6 +13553,13 @@
   <p:transition spd="med">
     <p:fade/>
   </p:transition>
+  <p:timing>
+    <p:tnLst>
+      <p:par>
+        <p:cTn id="1" dur="indefinite" restart="never" nodeType="tmRoot"/>
+      </p:par>
+    </p:tnLst>
+  </p:timing>
 </p:sldLayout>
 </file>
 
@@ -13872,6 +13864,13 @@
   <p:transition spd="med">
     <p:fade/>
   </p:transition>
+  <p:timing>
+    <p:tnLst>
+      <p:par>
+        <p:cTn id="1" dur="indefinite" restart="never" nodeType="tmRoot"/>
+      </p:par>
+    </p:tnLst>
+  </p:timing>
 </p:sldLayout>
 </file>
 
@@ -13945,14 +13944,14 @@
           </a:ln>
           <a:extLst>
             <a:ext uri="{909E8E84-426E-40dd-AFC4-6F175D3DCCD1}">
-              <a14:hiddenFill xmlns="" xmlns:a14="http://schemas.microsoft.com/office/drawing/2010/main">
+              <a14:hiddenFill xmlns:a14="http://schemas.microsoft.com/office/drawing/2010/main" xmlns="">
                 <a:solidFill>
                   <a:srgbClr val="FFFFFF"/>
                 </a:solidFill>
               </a14:hiddenFill>
             </a:ext>
             <a:ext uri="{91240B29-F687-4f45-9708-019B960494DF}">
-              <a14:hiddenLine xmlns="" xmlns:a14="http://schemas.microsoft.com/office/drawing/2010/main" w="9525">
+              <a14:hiddenLine xmlns:a14="http://schemas.microsoft.com/office/drawing/2010/main" xmlns="" w="9525">
                 <a:solidFill>
                   <a:srgbClr val="000000"/>
                 </a:solidFill>
@@ -14231,6 +14230,13 @@
   <p:transition spd="med">
     <p:fade/>
   </p:transition>
+  <p:timing>
+    <p:tnLst>
+      <p:par>
+        <p:cTn id="1" dur="indefinite" restart="never" nodeType="tmRoot"/>
+      </p:par>
+    </p:tnLst>
+  </p:timing>
 </p:sldLayout>
 </file>
 
@@ -14437,6 +14443,13 @@
   <p:transition spd="med">
     <p:fade/>
   </p:transition>
+  <p:timing>
+    <p:tnLst>
+      <p:par>
+        <p:cTn id="1" dur="indefinite" restart="never" nodeType="tmRoot"/>
+      </p:par>
+    </p:tnLst>
+  </p:timing>
 </p:sldLayout>
 </file>
 
@@ -14510,14 +14523,14 @@
           </a:ln>
           <a:extLst>
             <a:ext uri="{909E8E84-426E-40dd-AFC4-6F175D3DCCD1}">
-              <a14:hiddenFill xmlns="" xmlns:a14="http://schemas.microsoft.com/office/drawing/2010/main">
+              <a14:hiddenFill xmlns:a14="http://schemas.microsoft.com/office/drawing/2010/main" xmlns="">
                 <a:solidFill>
                   <a:srgbClr val="FFFFFF"/>
                 </a:solidFill>
               </a14:hiddenFill>
             </a:ext>
             <a:ext uri="{91240B29-F687-4f45-9708-019B960494DF}">
-              <a14:hiddenLine xmlns="" xmlns:a14="http://schemas.microsoft.com/office/drawing/2010/main" w="9525">
+              <a14:hiddenLine xmlns:a14="http://schemas.microsoft.com/office/drawing/2010/main" xmlns="" w="9525">
                 <a:solidFill>
                   <a:srgbClr val="000000"/>
                 </a:solidFill>
@@ -14803,6 +14816,13 @@
   <p:transition spd="med">
     <p:fade/>
   </p:transition>
+  <p:timing>
+    <p:tnLst>
+      <p:par>
+        <p:cTn id="1" dur="indefinite" restart="never" nodeType="tmRoot"/>
+      </p:par>
+    </p:tnLst>
+  </p:timing>
 </p:sldLayout>
 </file>
 
@@ -15011,6 +15031,13 @@
   <p:transition spd="med">
     <p:fade/>
   </p:transition>
+  <p:timing>
+    <p:tnLst>
+      <p:par>
+        <p:cTn id="1" dur="indefinite" restart="never" nodeType="tmRoot"/>
+      </p:par>
+    </p:tnLst>
+  </p:timing>
 </p:sldLayout>
 </file>
 
@@ -15084,14 +15111,14 @@
           </a:ln>
           <a:extLst>
             <a:ext uri="{909E8E84-426E-40dd-AFC4-6F175D3DCCD1}">
-              <a14:hiddenFill xmlns="" xmlns:a14="http://schemas.microsoft.com/office/drawing/2010/main">
+              <a14:hiddenFill xmlns:a14="http://schemas.microsoft.com/office/drawing/2010/main" xmlns="">
                 <a:solidFill>
                   <a:srgbClr val="FFFFFF"/>
                 </a:solidFill>
               </a14:hiddenFill>
             </a:ext>
             <a:ext uri="{91240B29-F687-4f45-9708-019B960494DF}">
-              <a14:hiddenLine xmlns="" xmlns:a14="http://schemas.microsoft.com/office/drawing/2010/main" w="9525">
+              <a14:hiddenLine xmlns:a14="http://schemas.microsoft.com/office/drawing/2010/main" xmlns="" w="9525">
                 <a:solidFill>
                   <a:srgbClr val="000000"/>
                 </a:solidFill>
@@ -15362,6 +15389,13 @@
   <p:transition spd="med">
     <p:fade/>
   </p:transition>
+  <p:timing>
+    <p:tnLst>
+      <p:par>
+        <p:cTn id="1" dur="indefinite" restart="never" nodeType="tmRoot"/>
+      </p:par>
+    </p:tnLst>
+  </p:timing>
 </p:sldLayout>
 </file>
 
@@ -15590,6 +15624,13 @@
   <p:transition spd="med">
     <p:fade/>
   </p:transition>
+  <p:timing>
+    <p:tnLst>
+      <p:par>
+        <p:cTn id="1" dur="indefinite" restart="never" nodeType="tmRoot"/>
+      </p:par>
+    </p:tnLst>
+  </p:timing>
 </p:sldLayout>
 </file>
 
@@ -15878,6 +15919,13 @@
   <p:transition spd="med">
     <p:fade/>
   </p:transition>
+  <p:timing>
+    <p:tnLst>
+      <p:par>
+        <p:cTn id="1" dur="indefinite" restart="never" nodeType="tmRoot"/>
+      </p:par>
+    </p:tnLst>
+  </p:timing>
 </p:sldLayout>
 </file>
 
@@ -16031,14 +16079,14 @@
           </a:ln>
           <a:extLst>
             <a:ext uri="{909E8E84-426E-40dd-AFC4-6F175D3DCCD1}">
-              <a14:hiddenFill xmlns="" xmlns:a14="http://schemas.microsoft.com/office/drawing/2010/main">
+              <a14:hiddenFill xmlns:a14="http://schemas.microsoft.com/office/drawing/2010/main" xmlns="">
                 <a:solidFill>
                   <a:srgbClr val="FFFFFF"/>
                 </a:solidFill>
               </a14:hiddenFill>
             </a:ext>
             <a:ext uri="{91240B29-F687-4f45-9708-019B960494DF}">
-              <a14:hiddenLine xmlns="" xmlns:a14="http://schemas.microsoft.com/office/drawing/2010/main" w="9525">
+              <a14:hiddenLine xmlns:a14="http://schemas.microsoft.com/office/drawing/2010/main" xmlns="" w="9525">
                 <a:solidFill>
                   <a:srgbClr val="000000"/>
                 </a:solidFill>
@@ -16126,7 +16174,29 @@
                 <a:ea typeface="+mn-ea"/>
                 <a:cs typeface="+mn-cs"/>
               </a:rPr>
-              <a:t>©2015 Chef Software Inc</a:t>
+              <a:t>©</a:t>
+            </a:r>
+            <a:r>
+              <a:rPr lang="en-US" dirty="0" smtClean="0">
+                <a:solidFill>
+                  <a:srgbClr val="7D868C"/>
+                </a:solidFill>
+                <a:latin typeface="+mn-lt"/>
+                <a:ea typeface="+mn-ea"/>
+                <a:cs typeface="+mn-cs"/>
+              </a:rPr>
+              <a:t>2016 </a:t>
+            </a:r>
+            <a:r>
+              <a:rPr lang="en-US" dirty="0">
+                <a:solidFill>
+                  <a:srgbClr val="7D868C"/>
+                </a:solidFill>
+                <a:latin typeface="+mn-lt"/>
+                <a:ea typeface="+mn-ea"/>
+                <a:cs typeface="+mn-cs"/>
+              </a:rPr>
+              <a:t>Chef Software Inc</a:t>
             </a:r>
             <a:r>
               <a:rPr lang="en-US" dirty="0">
@@ -16778,14 +16848,14 @@
           </a:ln>
           <a:extLst>
             <a:ext uri="{909E8E84-426E-40dd-AFC4-6F175D3DCCD1}">
-              <a14:hiddenFill xmlns="" xmlns:a14="http://schemas.microsoft.com/office/drawing/2010/main">
+              <a14:hiddenFill xmlns:a14="http://schemas.microsoft.com/office/drawing/2010/main" xmlns="">
                 <a:solidFill>
                   <a:srgbClr val="FFFFFF"/>
                 </a:solidFill>
               </a14:hiddenFill>
             </a:ext>
             <a:ext uri="{91240B29-F687-4f45-9708-019B960494DF}">
-              <a14:hiddenLine xmlns="" xmlns:a14="http://schemas.microsoft.com/office/drawing/2010/main" w="9525">
+              <a14:hiddenLine xmlns:a14="http://schemas.microsoft.com/office/drawing/2010/main" xmlns="" w="9525">
                 <a:solidFill>
                   <a:srgbClr val="000000"/>
                 </a:solidFill>
@@ -16873,7 +16943,29 @@
                 <a:ea typeface="+mn-ea"/>
                 <a:cs typeface="+mn-cs"/>
               </a:rPr>
-              <a:t>©2015 Chef Software Inc</a:t>
+              <a:t>©</a:t>
+            </a:r>
+            <a:r>
+              <a:rPr lang="en-US" dirty="0" smtClean="0">
+                <a:solidFill>
+                  <a:srgbClr val="7D868C"/>
+                </a:solidFill>
+                <a:latin typeface="+mn-lt"/>
+                <a:ea typeface="+mn-ea"/>
+                <a:cs typeface="+mn-cs"/>
+              </a:rPr>
+              <a:t>2016 </a:t>
+            </a:r>
+            <a:r>
+              <a:rPr lang="en-US" dirty="0">
+                <a:solidFill>
+                  <a:srgbClr val="7D868C"/>
+                </a:solidFill>
+                <a:latin typeface="+mn-lt"/>
+                <a:ea typeface="+mn-ea"/>
+                <a:cs typeface="+mn-cs"/>
+              </a:rPr>
+              <a:t>Chef Software Inc</a:t>
             </a:r>
             <a:r>
               <a:rPr lang="en-US" dirty="0">
@@ -17877,6 +17969,13 @@
   <p:transition spd="med">
     <p:fade/>
   </p:transition>
+  <p:timing>
+    <p:tnLst>
+      <p:par>
+        <p:cTn id="1" dur="indefinite" restart="never" nodeType="tmRoot"/>
+      </p:par>
+    </p:tnLst>
+  </p:timing>
 </p:sld>
 </file>
 
@@ -17967,6 +18066,13 @@
   <p:transition spd="med">
     <p:fade/>
   </p:transition>
+  <p:timing>
+    <p:tnLst>
+      <p:par>
+        <p:cTn id="1" dur="indefinite" restart="never" nodeType="tmRoot"/>
+      </p:par>
+    </p:tnLst>
+  </p:timing>
 </p:sld>
 </file>
 
@@ -18085,6 +18191,13 @@
   <p:transition spd="med">
     <p:fade/>
   </p:transition>
+  <p:timing>
+    <p:tnLst>
+      <p:par>
+        <p:cTn id="1" dur="indefinite" restart="never" nodeType="tmRoot"/>
+      </p:par>
+    </p:tnLst>
+  </p:timing>
 </p:sld>
 </file>
 
@@ -21078,6 +21191,27 @@
 </file>
 
 <file path=customXml/item1.xml><?xml version="1.0" encoding="utf-8"?>
+<p:properties xmlns:p="http://schemas.microsoft.com/office/2006/metadata/properties" xmlns:xsi="http://www.w3.org/2001/XMLSchema-instance" xmlns:pc="http://schemas.microsoft.com/office/infopath/2007/PartnerControls">
+  <documentManagement>
+    <_dlc_DocId xmlns="7bb5d761-a2ea-4873-95f7-7a6658fb3ef0">M4CWTKMW727E-592-73</_dlc_DocId>
+    <_dlc_DocIdUrl xmlns="7bb5d761-a2ea-4873-95f7-7a6658fb3ef0">
+      <Url>https://kms.vci.local/marketing/team/_layouts/DocIdRedir.aspx?ID=M4CWTKMW727E-592-73</Url>
+      <Description>M4CWTKMW727E-592-73</Description>
+    </_dlc_DocIdUrl>
+  </documentManagement>
+</p:properties>
+</file>
+
+<file path=customXml/item2.xml><?xml version="1.0" encoding="utf-8"?>
+<?mso-contentType ?>
+<FormTemplates xmlns="http://schemas.microsoft.com/sharepoint/v3/contenttype/forms">
+  <Display>DocumentLibraryForm</Display>
+  <Edit>DocumentLibraryForm</Edit>
+  <New>DocumentLibraryForm</New>
+</FormTemplates>
+</file>
+
+<file path=customXml/item3.xml><?xml version="1.0" encoding="utf-8"?>
 <?mso-contentType ?>
 <spe:Receivers xmlns:spe="http://schemas.microsoft.com/sharepoint/events">
   <Receiver>
@@ -21121,27 +21255,6 @@
     <Filter/>
   </Receiver>
 </spe:Receivers>
-</file>
-
-<file path=customXml/item2.xml><?xml version="1.0" encoding="utf-8"?>
-<?mso-contentType ?>
-<FormTemplates xmlns="http://schemas.microsoft.com/sharepoint/v3/contenttype/forms">
-  <Display>DocumentLibraryForm</Display>
-  <Edit>DocumentLibraryForm</Edit>
-  <New>DocumentLibraryForm</New>
-</FormTemplates>
-</file>
-
-<file path=customXml/item3.xml><?xml version="1.0" encoding="utf-8"?>
-<p:properties xmlns:p="http://schemas.microsoft.com/office/2006/metadata/properties" xmlns:xsi="http://www.w3.org/2001/XMLSchema-instance" xmlns:pc="http://schemas.microsoft.com/office/infopath/2007/PartnerControls">
-  <documentManagement>
-    <_dlc_DocId xmlns="7bb5d761-a2ea-4873-95f7-7a6658fb3ef0">M4CWTKMW727E-592-73</_dlc_DocId>
-    <_dlc_DocIdUrl xmlns="7bb5d761-a2ea-4873-95f7-7a6658fb3ef0">
-      <Url>https://kms.vci.local/marketing/team/_layouts/DocIdRedir.aspx?ID=M4CWTKMW727E-592-73</Url>
-      <Description>M4CWTKMW727E-592-73</Description>
-    </_dlc_DocIdUrl>
-  </documentManagement>
-</p:properties>
 </file>
 
 <file path=customXml/item4.xml><?xml version="1.0" encoding="utf-8"?>
@@ -21290,9 +21403,17 @@
 </file>
 
 <file path=customXml/itemProps1.xml><?xml version="1.0" encoding="utf-8"?>
-<ds:datastoreItem xmlns:ds="http://schemas.openxmlformats.org/officeDocument/2006/customXml" ds:itemID="{B13EBC30-FE27-4C6A-B723-23FC2188F7DC}">
+<ds:datastoreItem xmlns:ds="http://schemas.openxmlformats.org/officeDocument/2006/customXml" ds:itemID="{6921749B-AEB7-461B-845F-603CABD25259}">
   <ds:schemaRefs>
-    <ds:schemaRef ds:uri="http://schemas.microsoft.com/sharepoint/events"/>
+    <ds:schemaRef ds:uri="7bb5d761-a2ea-4873-95f7-7a6658fb3ef0"/>
+    <ds:schemaRef ds:uri="http://purl.org/dc/terms/"/>
+    <ds:schemaRef ds:uri="http://schemas.openxmlformats.org/package/2006/metadata/core-properties"/>
+    <ds:schemaRef ds:uri="http://purl.org/dc/dcmitype/"/>
+    <ds:schemaRef ds:uri="http://schemas.microsoft.com/office/2006/documentManagement/types"/>
+    <ds:schemaRef ds:uri="http://purl.org/dc/elements/1.1/"/>
+    <ds:schemaRef ds:uri="http://schemas.microsoft.com/office/2006/metadata/properties"/>
+    <ds:schemaRef ds:uri="http://schemas.microsoft.com/office/infopath/2007/PartnerControls"/>
+    <ds:schemaRef ds:uri="http://www.w3.org/XML/1998/namespace"/>
   </ds:schemaRefs>
 </ds:datastoreItem>
 </file>
@@ -21306,17 +21427,9 @@
 </file>
 
 <file path=customXml/itemProps3.xml><?xml version="1.0" encoding="utf-8"?>
-<ds:datastoreItem xmlns:ds="http://schemas.openxmlformats.org/officeDocument/2006/customXml" ds:itemID="{6921749B-AEB7-461B-845F-603CABD25259}">
+<ds:datastoreItem xmlns:ds="http://schemas.openxmlformats.org/officeDocument/2006/customXml" ds:itemID="{B13EBC30-FE27-4C6A-B723-23FC2188F7DC}">
   <ds:schemaRefs>
-    <ds:schemaRef ds:uri="7bb5d761-a2ea-4873-95f7-7a6658fb3ef0"/>
-    <ds:schemaRef ds:uri="http://purl.org/dc/terms/"/>
-    <ds:schemaRef ds:uri="http://schemas.openxmlformats.org/package/2006/metadata/core-properties"/>
-    <ds:schemaRef ds:uri="http://purl.org/dc/dcmitype/"/>
-    <ds:schemaRef ds:uri="http://schemas.microsoft.com/office/2006/documentManagement/types"/>
-    <ds:schemaRef ds:uri="http://purl.org/dc/elements/1.1/"/>
-    <ds:schemaRef ds:uri="http://schemas.microsoft.com/office/2006/metadata/properties"/>
-    <ds:schemaRef ds:uri="http://schemas.microsoft.com/office/infopath/2007/PartnerControls"/>
-    <ds:schemaRef ds:uri="http://www.w3.org/XML/1998/namespace"/>
+    <ds:schemaRef ds:uri="http://schemas.microsoft.com/sharepoint/events"/>
   </ds:schemaRefs>
 </ds:datastoreItem>
 </file>

--- a/02-why_write_tests_why_is_that_hard.pptx
+++ b/02-why_write_tests_why_is_that_hard.pptx
@@ -6611,7 +6611,7 @@
               <a:pPr>
                 <a:defRPr/>
               </a:pPr>
-              <a:t>2016-02-29</a:t>
+              <a:t>2016-04-12</a:t>
             </a:fld>
             <a:endParaRPr lang="en-US" dirty="0"/>
           </a:p>
@@ -6794,7 +6794,7 @@
               <a:pPr>
                 <a:defRPr/>
               </a:pPr>
-              <a:t>2016-02-29</a:t>
+              <a:t>2016-04-12</a:t>
             </a:fld>
             <a:endParaRPr lang="en-US" dirty="0"/>
           </a:p>
@@ -10397,14 +10397,14 @@
           </a:ln>
           <a:extLst>
             <a:ext uri="{909E8E84-426E-40dd-AFC4-6F175D3DCCD1}">
-              <a14:hiddenFill xmlns:a14="http://schemas.microsoft.com/office/drawing/2010/main" xmlns="">
+              <a14:hiddenFill xmlns="" xmlns:a14="http://schemas.microsoft.com/office/drawing/2010/main">
                 <a:solidFill>
                   <a:srgbClr val="FFFFFF"/>
                 </a:solidFill>
               </a14:hiddenFill>
             </a:ext>
             <a:ext uri="{91240B29-F687-4f45-9708-019B960494DF}">
-              <a14:hiddenLine xmlns:a14="http://schemas.microsoft.com/office/drawing/2010/main" xmlns="" w="9525">
+              <a14:hiddenLine xmlns="" xmlns:a14="http://schemas.microsoft.com/office/drawing/2010/main" w="9525">
                 <a:solidFill>
                   <a:srgbClr val="000000"/>
                 </a:solidFill>
@@ -10552,14 +10552,14 @@
           </a:ln>
           <a:extLst>
             <a:ext uri="{909E8E84-426E-40dd-AFC4-6F175D3DCCD1}">
-              <a14:hiddenFill xmlns:a14="http://schemas.microsoft.com/office/drawing/2010/main" xmlns="">
+              <a14:hiddenFill xmlns="" xmlns:a14="http://schemas.microsoft.com/office/drawing/2010/main">
                 <a:solidFill>
                   <a:srgbClr val="FFFFFF"/>
                 </a:solidFill>
               </a14:hiddenFill>
             </a:ext>
             <a:ext uri="{91240B29-F687-4f45-9708-019B960494DF}">
-              <a14:hiddenLine xmlns:a14="http://schemas.microsoft.com/office/drawing/2010/main" xmlns="" w="9525">
+              <a14:hiddenLine xmlns="" xmlns:a14="http://schemas.microsoft.com/office/drawing/2010/main" w="9525">
                 <a:solidFill>
                   <a:srgbClr val="000000"/>
                 </a:solidFill>
@@ -11057,14 +11057,14 @@
           </a:ln>
           <a:extLst>
             <a:ext uri="{909E8E84-426E-40dd-AFC4-6F175D3DCCD1}">
-              <a14:hiddenFill xmlns:a14="http://schemas.microsoft.com/office/drawing/2010/main" xmlns="">
+              <a14:hiddenFill xmlns="" xmlns:a14="http://schemas.microsoft.com/office/drawing/2010/main">
                 <a:solidFill>
                   <a:srgbClr val="FFFFFF"/>
                 </a:solidFill>
               </a14:hiddenFill>
             </a:ext>
             <a:ext uri="{91240B29-F687-4f45-9708-019B960494DF}">
-              <a14:hiddenLine xmlns:a14="http://schemas.microsoft.com/office/drawing/2010/main" xmlns="" w="9525">
+              <a14:hiddenLine xmlns="" xmlns:a14="http://schemas.microsoft.com/office/drawing/2010/main" w="9525">
                 <a:solidFill>
                   <a:srgbClr val="000000"/>
                 </a:solidFill>
@@ -12548,14 +12548,14 @@
           </a:ln>
           <a:extLst>
             <a:ext uri="{909E8E84-426E-40dd-AFC4-6F175D3DCCD1}">
-              <a14:hiddenFill xmlns:a14="http://schemas.microsoft.com/office/drawing/2010/main" xmlns="">
+              <a14:hiddenFill xmlns="" xmlns:a14="http://schemas.microsoft.com/office/drawing/2010/main">
                 <a:solidFill>
                   <a:srgbClr val="FFFFFF"/>
                 </a:solidFill>
               </a14:hiddenFill>
             </a:ext>
             <a:ext uri="{91240B29-F687-4f45-9708-019B960494DF}">
-              <a14:hiddenLine xmlns:a14="http://schemas.microsoft.com/office/drawing/2010/main" xmlns="" w="9525">
+              <a14:hiddenLine xmlns="" xmlns:a14="http://schemas.microsoft.com/office/drawing/2010/main" w="9525">
                 <a:solidFill>
                   <a:srgbClr val="000000"/>
                 </a:solidFill>
@@ -13944,14 +13944,14 @@
           </a:ln>
           <a:extLst>
             <a:ext uri="{909E8E84-426E-40dd-AFC4-6F175D3DCCD1}">
-              <a14:hiddenFill xmlns:a14="http://schemas.microsoft.com/office/drawing/2010/main" xmlns="">
+              <a14:hiddenFill xmlns="" xmlns:a14="http://schemas.microsoft.com/office/drawing/2010/main">
                 <a:solidFill>
                   <a:srgbClr val="FFFFFF"/>
                 </a:solidFill>
               </a14:hiddenFill>
             </a:ext>
             <a:ext uri="{91240B29-F687-4f45-9708-019B960494DF}">
-              <a14:hiddenLine xmlns:a14="http://schemas.microsoft.com/office/drawing/2010/main" xmlns="" w="9525">
+              <a14:hiddenLine xmlns="" xmlns:a14="http://schemas.microsoft.com/office/drawing/2010/main" w="9525">
                 <a:solidFill>
                   <a:srgbClr val="000000"/>
                 </a:solidFill>
@@ -14523,14 +14523,14 @@
           </a:ln>
           <a:extLst>
             <a:ext uri="{909E8E84-426E-40dd-AFC4-6F175D3DCCD1}">
-              <a14:hiddenFill xmlns:a14="http://schemas.microsoft.com/office/drawing/2010/main" xmlns="">
+              <a14:hiddenFill xmlns="" xmlns:a14="http://schemas.microsoft.com/office/drawing/2010/main">
                 <a:solidFill>
                   <a:srgbClr val="FFFFFF"/>
                 </a:solidFill>
               </a14:hiddenFill>
             </a:ext>
             <a:ext uri="{91240B29-F687-4f45-9708-019B960494DF}">
-              <a14:hiddenLine xmlns:a14="http://schemas.microsoft.com/office/drawing/2010/main" xmlns="" w="9525">
+              <a14:hiddenLine xmlns="" xmlns:a14="http://schemas.microsoft.com/office/drawing/2010/main" w="9525">
                 <a:solidFill>
                   <a:srgbClr val="000000"/>
                 </a:solidFill>
@@ -15111,14 +15111,14 @@
           </a:ln>
           <a:extLst>
             <a:ext uri="{909E8E84-426E-40dd-AFC4-6F175D3DCCD1}">
-              <a14:hiddenFill xmlns:a14="http://schemas.microsoft.com/office/drawing/2010/main" xmlns="">
+              <a14:hiddenFill xmlns="" xmlns:a14="http://schemas.microsoft.com/office/drawing/2010/main">
                 <a:solidFill>
                   <a:srgbClr val="FFFFFF"/>
                 </a:solidFill>
               </a14:hiddenFill>
             </a:ext>
             <a:ext uri="{91240B29-F687-4f45-9708-019B960494DF}">
-              <a14:hiddenLine xmlns:a14="http://schemas.microsoft.com/office/drawing/2010/main" xmlns="" w="9525">
+              <a14:hiddenLine xmlns="" xmlns:a14="http://schemas.microsoft.com/office/drawing/2010/main" w="9525">
                 <a:solidFill>
                   <a:srgbClr val="000000"/>
                 </a:solidFill>
@@ -16079,14 +16079,14 @@
           </a:ln>
           <a:extLst>
             <a:ext uri="{909E8E84-426E-40dd-AFC4-6F175D3DCCD1}">
-              <a14:hiddenFill xmlns:a14="http://schemas.microsoft.com/office/drawing/2010/main" xmlns="">
+              <a14:hiddenFill xmlns="" xmlns:a14="http://schemas.microsoft.com/office/drawing/2010/main">
                 <a:solidFill>
                   <a:srgbClr val="FFFFFF"/>
                 </a:solidFill>
               </a14:hiddenFill>
             </a:ext>
             <a:ext uri="{91240B29-F687-4f45-9708-019B960494DF}">
-              <a14:hiddenLine xmlns:a14="http://schemas.microsoft.com/office/drawing/2010/main" xmlns="" w="9525">
+              <a14:hiddenLine xmlns="" xmlns:a14="http://schemas.microsoft.com/office/drawing/2010/main" w="9525">
                 <a:solidFill>
                   <a:srgbClr val="000000"/>
                 </a:solidFill>
@@ -16848,14 +16848,14 @@
           </a:ln>
           <a:extLst>
             <a:ext uri="{909E8E84-426E-40dd-AFC4-6F175D3DCCD1}">
-              <a14:hiddenFill xmlns:a14="http://schemas.microsoft.com/office/drawing/2010/main" xmlns="">
+              <a14:hiddenFill xmlns="" xmlns:a14="http://schemas.microsoft.com/office/drawing/2010/main">
                 <a:solidFill>
                   <a:srgbClr val="FFFFFF"/>
                 </a:solidFill>
               </a14:hiddenFill>
             </a:ext>
             <a:ext uri="{91240B29-F687-4f45-9708-019B960494DF}">
-              <a14:hiddenLine xmlns:a14="http://schemas.microsoft.com/office/drawing/2010/main" xmlns="" w="9525">
+              <a14:hiddenLine xmlns="" xmlns:a14="http://schemas.microsoft.com/office/drawing/2010/main" w="9525">
                 <a:solidFill>
                   <a:srgbClr val="000000"/>
                 </a:solidFill>

--- a/02-why_write_tests_why_is_that_hard.pptx
+++ b/02-why_write_tests_why_is_that_hard.pptx
@@ -6611,7 +6611,7 @@
               <a:pPr>
                 <a:defRPr/>
               </a:pPr>
-              <a:t>2016-04-12</a:t>
+              <a:t>2016-09-06</a:t>
             </a:fld>
             <a:endParaRPr lang="en-US" dirty="0"/>
           </a:p>
@@ -6794,7 +6794,7 @@
               <a:pPr>
                 <a:defRPr/>
               </a:pPr>
-              <a:t>2016-04-12</a:t>
+              <a:t>2016-09-06</a:t>
             </a:fld>
             <a:endParaRPr lang="en-US" dirty="0"/>
           </a:p>
@@ -10397,14 +10397,14 @@
           </a:ln>
           <a:extLst>
             <a:ext uri="{909E8E84-426E-40dd-AFC4-6F175D3DCCD1}">
-              <a14:hiddenFill xmlns="" xmlns:a14="http://schemas.microsoft.com/office/drawing/2010/main">
+              <a14:hiddenFill xmlns:a14="http://schemas.microsoft.com/office/drawing/2010/main" xmlns="">
                 <a:solidFill>
                   <a:srgbClr val="FFFFFF"/>
                 </a:solidFill>
               </a14:hiddenFill>
             </a:ext>
             <a:ext uri="{91240B29-F687-4f45-9708-019B960494DF}">
-              <a14:hiddenLine xmlns="" xmlns:a14="http://schemas.microsoft.com/office/drawing/2010/main" w="9525">
+              <a14:hiddenLine xmlns:a14="http://schemas.microsoft.com/office/drawing/2010/main" xmlns="" w="9525">
                 <a:solidFill>
                   <a:srgbClr val="000000"/>
                 </a:solidFill>
@@ -10552,14 +10552,14 @@
           </a:ln>
           <a:extLst>
             <a:ext uri="{909E8E84-426E-40dd-AFC4-6F175D3DCCD1}">
-              <a14:hiddenFill xmlns="" xmlns:a14="http://schemas.microsoft.com/office/drawing/2010/main">
+              <a14:hiddenFill xmlns:a14="http://schemas.microsoft.com/office/drawing/2010/main" xmlns="">
                 <a:solidFill>
                   <a:srgbClr val="FFFFFF"/>
                 </a:solidFill>
               </a14:hiddenFill>
             </a:ext>
             <a:ext uri="{91240B29-F687-4f45-9708-019B960494DF}">
-              <a14:hiddenLine xmlns="" xmlns:a14="http://schemas.microsoft.com/office/drawing/2010/main" w="9525">
+              <a14:hiddenLine xmlns:a14="http://schemas.microsoft.com/office/drawing/2010/main" xmlns="" w="9525">
                 <a:solidFill>
                   <a:srgbClr val="000000"/>
                 </a:solidFill>
@@ -11057,14 +11057,14 @@
           </a:ln>
           <a:extLst>
             <a:ext uri="{909E8E84-426E-40dd-AFC4-6F175D3DCCD1}">
-              <a14:hiddenFill xmlns="" xmlns:a14="http://schemas.microsoft.com/office/drawing/2010/main">
+              <a14:hiddenFill xmlns:a14="http://schemas.microsoft.com/office/drawing/2010/main" xmlns="">
                 <a:solidFill>
                   <a:srgbClr val="FFFFFF"/>
                 </a:solidFill>
               </a14:hiddenFill>
             </a:ext>
             <a:ext uri="{91240B29-F687-4f45-9708-019B960494DF}">
-              <a14:hiddenLine xmlns="" xmlns:a14="http://schemas.microsoft.com/office/drawing/2010/main" w="9525">
+              <a14:hiddenLine xmlns:a14="http://schemas.microsoft.com/office/drawing/2010/main" xmlns="" w="9525">
                 <a:solidFill>
                   <a:srgbClr val="000000"/>
                 </a:solidFill>
@@ -12548,14 +12548,14 @@
           </a:ln>
           <a:extLst>
             <a:ext uri="{909E8E84-426E-40dd-AFC4-6F175D3DCCD1}">
-              <a14:hiddenFill xmlns="" xmlns:a14="http://schemas.microsoft.com/office/drawing/2010/main">
+              <a14:hiddenFill xmlns:a14="http://schemas.microsoft.com/office/drawing/2010/main" xmlns="">
                 <a:solidFill>
                   <a:srgbClr val="FFFFFF"/>
                 </a:solidFill>
               </a14:hiddenFill>
             </a:ext>
             <a:ext uri="{91240B29-F687-4f45-9708-019B960494DF}">
-              <a14:hiddenLine xmlns="" xmlns:a14="http://schemas.microsoft.com/office/drawing/2010/main" w="9525">
+              <a14:hiddenLine xmlns:a14="http://schemas.microsoft.com/office/drawing/2010/main" xmlns="" w="9525">
                 <a:solidFill>
                   <a:srgbClr val="000000"/>
                 </a:solidFill>
@@ -13944,14 +13944,14 @@
           </a:ln>
           <a:extLst>
             <a:ext uri="{909E8E84-426E-40dd-AFC4-6F175D3DCCD1}">
-              <a14:hiddenFill xmlns="" xmlns:a14="http://schemas.microsoft.com/office/drawing/2010/main">
+              <a14:hiddenFill xmlns:a14="http://schemas.microsoft.com/office/drawing/2010/main" xmlns="">
                 <a:solidFill>
                   <a:srgbClr val="FFFFFF"/>
                 </a:solidFill>
               </a14:hiddenFill>
             </a:ext>
             <a:ext uri="{91240B29-F687-4f45-9708-019B960494DF}">
-              <a14:hiddenLine xmlns="" xmlns:a14="http://schemas.microsoft.com/office/drawing/2010/main" w="9525">
+              <a14:hiddenLine xmlns:a14="http://schemas.microsoft.com/office/drawing/2010/main" xmlns="" w="9525">
                 <a:solidFill>
                   <a:srgbClr val="000000"/>
                 </a:solidFill>
@@ -14523,14 +14523,14 @@
           </a:ln>
           <a:extLst>
             <a:ext uri="{909E8E84-426E-40dd-AFC4-6F175D3DCCD1}">
-              <a14:hiddenFill xmlns="" xmlns:a14="http://schemas.microsoft.com/office/drawing/2010/main">
+              <a14:hiddenFill xmlns:a14="http://schemas.microsoft.com/office/drawing/2010/main" xmlns="">
                 <a:solidFill>
                   <a:srgbClr val="FFFFFF"/>
                 </a:solidFill>
               </a14:hiddenFill>
             </a:ext>
             <a:ext uri="{91240B29-F687-4f45-9708-019B960494DF}">
-              <a14:hiddenLine xmlns="" xmlns:a14="http://schemas.microsoft.com/office/drawing/2010/main" w="9525">
+              <a14:hiddenLine xmlns:a14="http://schemas.microsoft.com/office/drawing/2010/main" xmlns="" w="9525">
                 <a:solidFill>
                   <a:srgbClr val="000000"/>
                 </a:solidFill>
@@ -15111,14 +15111,14 @@
           </a:ln>
           <a:extLst>
             <a:ext uri="{909E8E84-426E-40dd-AFC4-6F175D3DCCD1}">
-              <a14:hiddenFill xmlns="" xmlns:a14="http://schemas.microsoft.com/office/drawing/2010/main">
+              <a14:hiddenFill xmlns:a14="http://schemas.microsoft.com/office/drawing/2010/main" xmlns="">
                 <a:solidFill>
                   <a:srgbClr val="FFFFFF"/>
                 </a:solidFill>
               </a14:hiddenFill>
             </a:ext>
             <a:ext uri="{91240B29-F687-4f45-9708-019B960494DF}">
-              <a14:hiddenLine xmlns="" xmlns:a14="http://schemas.microsoft.com/office/drawing/2010/main" w="9525">
+              <a14:hiddenLine xmlns:a14="http://schemas.microsoft.com/office/drawing/2010/main" xmlns="" w="9525">
                 <a:solidFill>
                   <a:srgbClr val="000000"/>
                 </a:solidFill>
@@ -16079,14 +16079,14 @@
           </a:ln>
           <a:extLst>
             <a:ext uri="{909E8E84-426E-40dd-AFC4-6F175D3DCCD1}">
-              <a14:hiddenFill xmlns="" xmlns:a14="http://schemas.microsoft.com/office/drawing/2010/main">
+              <a14:hiddenFill xmlns:a14="http://schemas.microsoft.com/office/drawing/2010/main" xmlns="">
                 <a:solidFill>
                   <a:srgbClr val="FFFFFF"/>
                 </a:solidFill>
               </a14:hiddenFill>
             </a:ext>
             <a:ext uri="{91240B29-F687-4f45-9708-019B960494DF}">
-              <a14:hiddenLine xmlns="" xmlns:a14="http://schemas.microsoft.com/office/drawing/2010/main" w="9525">
+              <a14:hiddenLine xmlns:a14="http://schemas.microsoft.com/office/drawing/2010/main" xmlns="" w="9525">
                 <a:solidFill>
                   <a:srgbClr val="000000"/>
                 </a:solidFill>
@@ -16264,10 +16264,21 @@
                 <a:ea typeface="+mn-ea"/>
                 <a:cs typeface="+mn-cs"/>
               </a:rPr>
-              <a:t>1-</a:t>
+              <a:t>2</a:t>
+            </a:r>
+            <a:r>
+              <a:rPr lang="en-US" dirty="0" smtClean="0">
+                <a:solidFill>
+                  <a:srgbClr val="7F7F7F"/>
+                </a:solidFill>
+                <a:latin typeface="+mn-lt"/>
+                <a:ea typeface="+mn-ea"/>
+                <a:cs typeface="+mn-cs"/>
+              </a:rPr>
+              <a:t>-</a:t>
             </a:r>
             <a:fld id="{F0B79B2F-E1DD-4D43-95B3-EA08C411D807}" type="slidenum">
-              <a:rPr lang="en-US">
+              <a:rPr lang="en-US" smtClean="0">
                 <a:solidFill>
                   <a:srgbClr val="7F7F7F"/>
                 </a:solidFill>
@@ -16848,14 +16859,14 @@
           </a:ln>
           <a:extLst>
             <a:ext uri="{909E8E84-426E-40dd-AFC4-6F175D3DCCD1}">
-              <a14:hiddenFill xmlns="" xmlns:a14="http://schemas.microsoft.com/office/drawing/2010/main">
+              <a14:hiddenFill xmlns:a14="http://schemas.microsoft.com/office/drawing/2010/main" xmlns="">
                 <a:solidFill>
                   <a:srgbClr val="FFFFFF"/>
                 </a:solidFill>
               </a14:hiddenFill>
             </a:ext>
             <a:ext uri="{91240B29-F687-4f45-9708-019B960494DF}">
-              <a14:hiddenLine xmlns="" xmlns:a14="http://schemas.microsoft.com/office/drawing/2010/main" w="9525">
+              <a14:hiddenLine xmlns:a14="http://schemas.microsoft.com/office/drawing/2010/main" xmlns="" w="9525">
                 <a:solidFill>
                   <a:srgbClr val="000000"/>
                 </a:solidFill>
@@ -21191,6 +21202,15 @@
 </file>
 
 <file path=customXml/item1.xml><?xml version="1.0" encoding="utf-8"?>
+<?mso-contentType ?>
+<FormTemplates xmlns="http://schemas.microsoft.com/sharepoint/v3/contenttype/forms">
+  <Display>DocumentLibraryForm</Display>
+  <Edit>DocumentLibraryForm</Edit>
+  <New>DocumentLibraryForm</New>
+</FormTemplates>
+</file>
+
+<file path=customXml/item2.xml><?xml version="1.0" encoding="utf-8"?>
 <p:properties xmlns:p="http://schemas.microsoft.com/office/2006/metadata/properties" xmlns:xsi="http://www.w3.org/2001/XMLSchema-instance" xmlns:pc="http://schemas.microsoft.com/office/infopath/2007/PartnerControls">
   <documentManagement>
     <_dlc_DocId xmlns="7bb5d761-a2ea-4873-95f7-7a6658fb3ef0">M4CWTKMW727E-592-73</_dlc_DocId>
@@ -21202,62 +21222,7 @@
 </p:properties>
 </file>
 
-<file path=customXml/item2.xml><?xml version="1.0" encoding="utf-8"?>
-<?mso-contentType ?>
-<FormTemplates xmlns="http://schemas.microsoft.com/sharepoint/v3/contenttype/forms">
-  <Display>DocumentLibraryForm</Display>
-  <Edit>DocumentLibraryForm</Edit>
-  <New>DocumentLibraryForm</New>
-</FormTemplates>
-</file>
-
 <file path=customXml/item3.xml><?xml version="1.0" encoding="utf-8"?>
-<?mso-contentType ?>
-<spe:Receivers xmlns:spe="http://schemas.microsoft.com/sharepoint/events">
-  <Receiver>
-    <Name>Document ID Generator</Name>
-    <Synchronization>Synchronous</Synchronization>
-    <Type>10001</Type>
-    <SequenceNumber>1000</SequenceNumber>
-    <Assembly>Microsoft.Office.DocumentManagement, Version=14.0.0.0, Culture=neutral, PublicKeyToken=71e9bce111e9429c</Assembly>
-    <Class>Microsoft.Office.DocumentManagement.Internal.DocIdHandler</Class>
-    <Data/>
-    <Filter/>
-  </Receiver>
-  <Receiver>
-    <Name>Document ID Generator</Name>
-    <Synchronization>Synchronous</Synchronization>
-    <Type>10002</Type>
-    <SequenceNumber>1001</SequenceNumber>
-    <Assembly>Microsoft.Office.DocumentManagement, Version=14.0.0.0, Culture=neutral, PublicKeyToken=71e9bce111e9429c</Assembly>
-    <Class>Microsoft.Office.DocumentManagement.Internal.DocIdHandler</Class>
-    <Data/>
-    <Filter/>
-  </Receiver>
-  <Receiver>
-    <Name>Document ID Generator</Name>
-    <Synchronization>Synchronous</Synchronization>
-    <Type>10004</Type>
-    <SequenceNumber>1002</SequenceNumber>
-    <Assembly>Microsoft.Office.DocumentManagement, Version=14.0.0.0, Culture=neutral, PublicKeyToken=71e9bce111e9429c</Assembly>
-    <Class>Microsoft.Office.DocumentManagement.Internal.DocIdHandler</Class>
-    <Data/>
-    <Filter/>
-  </Receiver>
-  <Receiver>
-    <Name>Document ID Generator</Name>
-    <Synchronization>Synchronous</Synchronization>
-    <Type>10006</Type>
-    <SequenceNumber>1003</SequenceNumber>
-    <Assembly>Microsoft.Office.DocumentManagement, Version=14.0.0.0, Culture=neutral, PublicKeyToken=71e9bce111e9429c</Assembly>
-    <Class>Microsoft.Office.DocumentManagement.Internal.DocIdHandler</Class>
-    <Data/>
-    <Filter/>
-  </Receiver>
-</spe:Receivers>
-</file>
-
-<file path=customXml/item4.xml><?xml version="1.0" encoding="utf-8"?>
 <ct:contentTypeSchema xmlns:ct="http://schemas.microsoft.com/office/2006/metadata/contentType" xmlns:ma="http://schemas.microsoft.com/office/2006/metadata/properties/metaAttributes" ct:_="" ma:_="" ma:contentTypeName="Document" ma:contentTypeID="0x0101000812F700BE7F874999720E88173FE491" ma:contentTypeVersion="0" ma:contentTypeDescription="Create a new document." ma:contentTypeScope="" ma:versionID="3f79f408e2ca720b7aba6e0e32464d0c">
   <xsd:schema xmlns:xsd="http://www.w3.org/2001/XMLSchema" xmlns:xs="http://www.w3.org/2001/XMLSchema" xmlns:p="http://schemas.microsoft.com/office/2006/metadata/properties" xmlns:ns2="7bb5d761-a2ea-4873-95f7-7a6658fb3ef0" targetNamespace="http://schemas.microsoft.com/office/2006/metadata/properties" ma:root="true" ma:fieldsID="1e062cd38ba31e406bfc4340fbc7f87a" ns2:_="">
     <xsd:import namespace="7bb5d761-a2ea-4873-95f7-7a6658fb3ef0"/>
@@ -21402,7 +21367,61 @@
 </ct:contentTypeSchema>
 </file>
 
+<file path=customXml/item4.xml><?xml version="1.0" encoding="utf-8"?>
+<?mso-contentType ?>
+<spe:Receivers xmlns:spe="http://schemas.microsoft.com/sharepoint/events">
+  <Receiver>
+    <Name>Document ID Generator</Name>
+    <Synchronization>Synchronous</Synchronization>
+    <Type>10001</Type>
+    <SequenceNumber>1000</SequenceNumber>
+    <Assembly>Microsoft.Office.DocumentManagement, Version=14.0.0.0, Culture=neutral, PublicKeyToken=71e9bce111e9429c</Assembly>
+    <Class>Microsoft.Office.DocumentManagement.Internal.DocIdHandler</Class>
+    <Data/>
+    <Filter/>
+  </Receiver>
+  <Receiver>
+    <Name>Document ID Generator</Name>
+    <Synchronization>Synchronous</Synchronization>
+    <Type>10002</Type>
+    <SequenceNumber>1001</SequenceNumber>
+    <Assembly>Microsoft.Office.DocumentManagement, Version=14.0.0.0, Culture=neutral, PublicKeyToken=71e9bce111e9429c</Assembly>
+    <Class>Microsoft.Office.DocumentManagement.Internal.DocIdHandler</Class>
+    <Data/>
+    <Filter/>
+  </Receiver>
+  <Receiver>
+    <Name>Document ID Generator</Name>
+    <Synchronization>Synchronous</Synchronization>
+    <Type>10004</Type>
+    <SequenceNumber>1002</SequenceNumber>
+    <Assembly>Microsoft.Office.DocumentManagement, Version=14.0.0.0, Culture=neutral, PublicKeyToken=71e9bce111e9429c</Assembly>
+    <Class>Microsoft.Office.DocumentManagement.Internal.DocIdHandler</Class>
+    <Data/>
+    <Filter/>
+  </Receiver>
+  <Receiver>
+    <Name>Document ID Generator</Name>
+    <Synchronization>Synchronous</Synchronization>
+    <Type>10006</Type>
+    <SequenceNumber>1003</SequenceNumber>
+    <Assembly>Microsoft.Office.DocumentManagement, Version=14.0.0.0, Culture=neutral, PublicKeyToken=71e9bce111e9429c</Assembly>
+    <Class>Microsoft.Office.DocumentManagement.Internal.DocIdHandler</Class>
+    <Data/>
+    <Filter/>
+  </Receiver>
+</spe:Receivers>
+</file>
+
 <file path=customXml/itemProps1.xml><?xml version="1.0" encoding="utf-8"?>
+<ds:datastoreItem xmlns:ds="http://schemas.openxmlformats.org/officeDocument/2006/customXml" ds:itemID="{5CDEB364-43EC-4510-9881-539C2A3FCE9E}">
+  <ds:schemaRefs>
+    <ds:schemaRef ds:uri="http://schemas.microsoft.com/sharepoint/v3/contenttype/forms"/>
+  </ds:schemaRefs>
+</ds:datastoreItem>
+</file>
+
+<file path=customXml/itemProps2.xml><?xml version="1.0" encoding="utf-8"?>
 <ds:datastoreItem xmlns:ds="http://schemas.openxmlformats.org/officeDocument/2006/customXml" ds:itemID="{6921749B-AEB7-461B-845F-603CABD25259}">
   <ds:schemaRefs>
     <ds:schemaRef ds:uri="7bb5d761-a2ea-4873-95f7-7a6658fb3ef0"/>
@@ -21418,23 +21437,7 @@
 </ds:datastoreItem>
 </file>
 
-<file path=customXml/itemProps2.xml><?xml version="1.0" encoding="utf-8"?>
-<ds:datastoreItem xmlns:ds="http://schemas.openxmlformats.org/officeDocument/2006/customXml" ds:itemID="{5CDEB364-43EC-4510-9881-539C2A3FCE9E}">
-  <ds:schemaRefs>
-    <ds:schemaRef ds:uri="http://schemas.microsoft.com/sharepoint/v3/contenttype/forms"/>
-  </ds:schemaRefs>
-</ds:datastoreItem>
-</file>
-
 <file path=customXml/itemProps3.xml><?xml version="1.0" encoding="utf-8"?>
-<ds:datastoreItem xmlns:ds="http://schemas.openxmlformats.org/officeDocument/2006/customXml" ds:itemID="{B13EBC30-FE27-4C6A-B723-23FC2188F7DC}">
-  <ds:schemaRefs>
-    <ds:schemaRef ds:uri="http://schemas.microsoft.com/sharepoint/events"/>
-  </ds:schemaRefs>
-</ds:datastoreItem>
-</file>
-
-<file path=customXml/itemProps4.xml><?xml version="1.0" encoding="utf-8"?>
 <ds:datastoreItem xmlns:ds="http://schemas.openxmlformats.org/officeDocument/2006/customXml" ds:itemID="{164479E5-0B02-49AC-B79E-EC1D6164DDD3}">
   <ds:schemaRefs>
     <ds:schemaRef ds:uri="http://schemas.microsoft.com/office/2006/metadata/contentType"/>
@@ -21450,4 +21453,12 @@
     <ds:schemaRef ds:uri="http://schemas.microsoft.com/internal/obd"/>
   </ds:schemaRefs>
 </ds:datastoreItem>
+</file>
+
+<file path=customXml/itemProps4.xml><?xml version="1.0" encoding="utf-8"?>
+<ds:datastoreItem xmlns:ds="http://schemas.openxmlformats.org/officeDocument/2006/customXml" ds:itemID="{B13EBC30-FE27-4C6A-B723-23FC2188F7DC}">
+  <ds:schemaRefs>
+    <ds:schemaRef ds:uri="http://schemas.microsoft.com/sharepoint/events"/>
+  </ds:schemaRefs>
+</ds:datastoreItem>
 </file>
--- a/02-why_write_tests_why_is_that_hard.pptx
+++ b/02-why_write_tests_why_is_that_hard.pptx
@@ -6562,6 +6562,10 @@
             <a:pPr>
               <a:defRPr/>
             </a:pPr>
+            <a:r>
+              <a:rPr lang="en-US" smtClean="0"/>
+              <a:t>Test Driven Cookbook Development</a:t>
+            </a:r>
             <a:endParaRPr lang="en-US"/>
           </a:p>
         </p:txBody>
@@ -6606,13 +6610,10 @@
             <a:pPr>
               <a:defRPr/>
             </a:pPr>
-            <a:fld id="{04CB1577-BF96-2D40-B4CA-2BF6DA80CBA7}" type="datetime1">
-              <a:rPr lang="en-CA"/>
-              <a:pPr>
-                <a:defRPr/>
-              </a:pPr>
-              <a:t>2016-09-06</a:t>
-            </a:fld>
+            <a:r>
+              <a:rPr lang="en-US" smtClean="0"/>
+              <a:t>Chef Software, Inc.</a:t>
+            </a:r>
             <a:endParaRPr lang="en-US" dirty="0"/>
           </a:p>
         </p:txBody>
@@ -6723,7 +6724,7 @@
     </p:extLst>
   </p:cSld>
   <p:clrMap bg1="lt1" tx1="dk1" bg2="lt2" tx2="dk2" accent1="accent1" accent2="accent2" accent3="accent3" accent4="accent4" accent5="accent5" accent6="accent6" hlink="hlink" folHlink="folHlink"/>
-  <p:hf dt="0"/>
+  <p:hf sldNum="0" ftr="0"/>
 </p:handoutMaster>
 </file>
 
@@ -6761,7 +6762,7 @@
         </p:nvSpPr>
         <p:spPr>
           <a:xfrm>
-            <a:off x="3884613" y="0"/>
+            <a:off x="3884613" y="108860"/>
             <a:ext cx="2971800" cy="457200"/>
           </a:xfrm>
           <a:prstGeom prst="rect">
@@ -6789,13 +6790,10 @@
             <a:pPr>
               <a:defRPr/>
             </a:pPr>
-            <a:fld id="{72FDBE47-C34F-CF4A-9709-1411AD5B3286}" type="datetime1">
-              <a:rPr lang="en-CA"/>
-              <a:pPr>
-                <a:defRPr/>
-              </a:pPr>
-              <a:t>2016-09-06</a:t>
-            </a:fld>
+            <a:r>
+              <a:rPr lang="en-US" smtClean="0"/>
+              <a:t>Chef Software, Inc.</a:t>
+            </a:r>
             <a:endParaRPr lang="en-US" dirty="0"/>
           </a:p>
         </p:txBody>
@@ -6846,8 +6844,8 @@
         </p:nvSpPr>
         <p:spPr>
           <a:xfrm>
-            <a:off x="685800" y="4343400"/>
-            <a:ext cx="5486400" cy="4114800"/>
+            <a:off x="381000" y="4343400"/>
+            <a:ext cx="6096000" cy="4506686"/>
           </a:xfrm>
           <a:prstGeom prst="rect">
             <a:avLst/>
@@ -6893,57 +6891,6 @@
               <a:t>Fifth level</a:t>
             </a:r>
             <a:endParaRPr lang="en-US" noProof="0" dirty="0"/>
-          </a:p>
-        </p:txBody>
-      </p:sp>
-      <p:sp>
-        <p:nvSpPr>
-          <p:cNvPr id="7" name="Slide Number Placeholder 6"/>
-          <p:cNvSpPr>
-            <a:spLocks noGrp="1"/>
-          </p:cNvSpPr>
-          <p:nvPr>
-            <p:ph type="sldNum" sz="quarter" idx="5"/>
-          </p:nvPr>
-        </p:nvSpPr>
-        <p:spPr>
-          <a:xfrm>
-            <a:off x="6172200" y="8685213"/>
-            <a:ext cx="684213" cy="457200"/>
-          </a:xfrm>
-          <a:prstGeom prst="rect">
-            <a:avLst/>
-          </a:prstGeom>
-        </p:spPr>
-        <p:txBody>
-          <a:bodyPr vert="horz" lIns="91440" tIns="45720" rIns="91440" bIns="45720" rtlCol="0" anchor="b"/>
-          <a:lstStyle>
-            <a:lvl1pPr algn="r" defTabSz="1219120" fontAlgn="auto">
-              <a:spcBef>
-                <a:spcPts val="0"/>
-              </a:spcBef>
-              <a:spcAft>
-                <a:spcPts val="0"/>
-              </a:spcAft>
-              <a:defRPr sz="1200" smtClean="0">
-                <a:latin typeface="Arial" panose="020B0604020202020204" pitchFamily="34" charset="0"/>
-                <a:ea typeface="+mn-ea"/>
-                <a:cs typeface="Arial" panose="020B0604020202020204" pitchFamily="34" charset="0"/>
-              </a:defRPr>
-            </a:lvl1pPr>
-          </a:lstStyle>
-          <a:p>
-            <a:pPr>
-              <a:defRPr/>
-            </a:pPr>
-            <a:fld id="{DC3734AA-3150-D947-AC52-2F5DF48BFCD5}" type="slidenum">
-              <a:rPr lang="en-US"/>
-              <a:pPr>
-                <a:defRPr/>
-              </a:pPr>
-              <a:t>‹#›</a:t>
-            </a:fld>
-            <a:endParaRPr lang="en-US" dirty="0"/>
           </a:p>
         </p:txBody>
       </p:sp>
@@ -6959,7 +6906,7 @@
         </p:nvSpPr>
         <p:spPr>
           <a:xfrm>
-            <a:off x="0" y="0"/>
+            <a:off x="0" y="108860"/>
             <a:ext cx="2971800" cy="457200"/>
           </a:xfrm>
           <a:prstGeom prst="rect">
@@ -6987,53 +6934,10 @@
             <a:pPr>
               <a:defRPr/>
             </a:pPr>
-            <a:endParaRPr lang="en-US"/>
-          </a:p>
-        </p:txBody>
-      </p:sp>
-      <p:sp>
-        <p:nvSpPr>
-          <p:cNvPr id="9" name="Footer Placeholder 3"/>
-          <p:cNvSpPr>
-            <a:spLocks noGrp="1"/>
-          </p:cNvSpPr>
-          <p:nvPr>
-            <p:ph type="ftr" sz="quarter" idx="4"/>
-          </p:nvPr>
-        </p:nvSpPr>
-        <p:spPr>
-          <a:xfrm>
-            <a:off x="0" y="8685213"/>
-            <a:ext cx="6248400" cy="457200"/>
-          </a:xfrm>
-          <a:prstGeom prst="rect">
-            <a:avLst/>
-          </a:prstGeom>
-        </p:spPr>
-        <p:txBody>
-          <a:bodyPr vert="horz" lIns="91440" tIns="45720" rIns="91440" bIns="45720" rtlCol="0" anchor="b"/>
-          <a:lstStyle>
-            <a:lvl1pPr algn="l" defTabSz="1219120" fontAlgn="auto">
-              <a:spcBef>
-                <a:spcPts val="0"/>
-              </a:spcBef>
-              <a:spcAft>
-                <a:spcPts val="0"/>
-              </a:spcAft>
-              <a:defRPr sz="900" dirty="0" smtClean="0">
-                <a:solidFill>
-                  <a:srgbClr val="000000"/>
-                </a:solidFill>
-                <a:latin typeface="Arial" panose="020B0604020202020204" pitchFamily="34" charset="0"/>
-                <a:ea typeface="+mn-ea"/>
-                <a:cs typeface="Arial" panose="020B0604020202020204" pitchFamily="34" charset="0"/>
-              </a:defRPr>
-            </a:lvl1pPr>
-          </a:lstStyle>
-          <a:p>
-            <a:pPr>
-              <a:defRPr/>
-            </a:pPr>
+            <a:r>
+              <a:rPr lang="en-US" smtClean="0"/>
+              <a:t>Test Driven Cookbook Development</a:t>
+            </a:r>
             <a:endParaRPr lang="en-US"/>
           </a:p>
         </p:txBody>
@@ -7046,7 +6950,7 @@
     </p:extLst>
   </p:cSld>
   <p:clrMap bg1="lt1" tx1="dk1" bg2="lt2" tx2="dk2" accent1="accent1" accent2="accent2" accent3="accent3" accent4="accent4" accent5="accent5" accent6="accent6" hlink="hlink" folHlink="folHlink"/>
-  <p:hf dt="0"/>
+  <p:hf sldNum="0" ftr="0"/>
   <p:notesStyle>
     <a:lvl1pPr algn="l" defTabSz="1217613" rtl="0" fontAlgn="base">
       <a:lnSpc>
@@ -7252,35 +7156,6 @@
       </p:sp>
       <p:sp>
         <p:nvSpPr>
-          <p:cNvPr id="4" name="Slide Number Placeholder 3"/>
-          <p:cNvSpPr>
-            <a:spLocks noGrp="1"/>
-          </p:cNvSpPr>
-          <p:nvPr>
-            <p:ph type="sldNum" sz="quarter" idx="10"/>
-          </p:nvPr>
-        </p:nvSpPr>
-        <p:spPr/>
-        <p:txBody>
-          <a:bodyPr/>
-          <a:lstStyle/>
-          <a:p>
-            <a:pPr>
-              <a:defRPr/>
-            </a:pPr>
-            <a:fld id="{DC3734AA-3150-D947-AC52-2F5DF48BFCD5}" type="slidenum">
-              <a:rPr lang="en-US" smtClean="0"/>
-              <a:pPr>
-                <a:defRPr/>
-              </a:pPr>
-              <a:t>1</a:t>
-            </a:fld>
-            <a:endParaRPr lang="en-US" dirty="0"/>
-          </a:p>
-        </p:txBody>
-      </p:sp>
-      <p:sp>
-        <p:nvSpPr>
           <p:cNvPr id="5" name="Header Placeholder 4"/>
           <p:cNvSpPr>
             <a:spLocks noGrp="1"/>
@@ -7297,18 +7172,22 @@
             <a:pPr>
               <a:defRPr/>
             </a:pPr>
+            <a:r>
+              <a:rPr lang="en-US" smtClean="0"/>
+              <a:t>Test Driven Cookbook Development</a:t>
+            </a:r>
             <a:endParaRPr lang="en-US"/>
           </a:p>
         </p:txBody>
       </p:sp>
       <p:sp>
         <p:nvSpPr>
-          <p:cNvPr id="6" name="Footer Placeholder 5"/>
+          <p:cNvPr id="7" name="Date Placeholder 6"/>
           <p:cNvSpPr>
             <a:spLocks noGrp="1"/>
           </p:cNvSpPr>
           <p:nvPr>
-            <p:ph type="ftr" sz="quarter" idx="12"/>
+            <p:ph type="dt" idx="13"/>
           </p:nvPr>
         </p:nvSpPr>
         <p:spPr/>
@@ -7319,7 +7198,11 @@
             <a:pPr>
               <a:defRPr/>
             </a:pPr>
-            <a:endParaRPr lang="en-US"/>
+            <a:r>
+              <a:rPr lang="en-US" smtClean="0"/>
+              <a:t>Chef Software, Inc.</a:t>
+            </a:r>
+            <a:endParaRPr lang="en-US" dirty="0"/>
           </a:p>
         </p:txBody>
       </p:sp>
@@ -7403,35 +7286,6 @@
       </p:sp>
       <p:sp>
         <p:nvSpPr>
-          <p:cNvPr id="4" name="Slide Number Placeholder 3"/>
-          <p:cNvSpPr>
-            <a:spLocks noGrp="1"/>
-          </p:cNvSpPr>
-          <p:nvPr>
-            <p:ph type="sldNum" sz="quarter" idx="10"/>
-          </p:nvPr>
-        </p:nvSpPr>
-        <p:spPr/>
-        <p:txBody>
-          <a:bodyPr/>
-          <a:lstStyle/>
-          <a:p>
-            <a:pPr>
-              <a:defRPr/>
-            </a:pPr>
-            <a:fld id="{DC3734AA-3150-D947-AC52-2F5DF48BFCD5}" type="slidenum">
-              <a:rPr lang="en-US" smtClean="0"/>
-              <a:pPr>
-                <a:defRPr/>
-              </a:pPr>
-              <a:t>10</a:t>
-            </a:fld>
-            <a:endParaRPr lang="en-US" dirty="0"/>
-          </a:p>
-        </p:txBody>
-      </p:sp>
-      <p:sp>
-        <p:nvSpPr>
           <p:cNvPr id="5" name="Header Placeholder 4"/>
           <p:cNvSpPr>
             <a:spLocks noGrp="1"/>
@@ -7448,18 +7302,22 @@
             <a:pPr>
               <a:defRPr/>
             </a:pPr>
+            <a:r>
+              <a:rPr lang="en-US" smtClean="0"/>
+              <a:t>Test Driven Cookbook Development</a:t>
+            </a:r>
             <a:endParaRPr lang="en-US"/>
           </a:p>
         </p:txBody>
       </p:sp>
       <p:sp>
         <p:nvSpPr>
-          <p:cNvPr id="6" name="Footer Placeholder 5"/>
+          <p:cNvPr id="7" name="Date Placeholder 6"/>
           <p:cNvSpPr>
             <a:spLocks noGrp="1"/>
           </p:cNvSpPr>
           <p:nvPr>
-            <p:ph type="ftr" sz="quarter" idx="12"/>
+            <p:ph type="dt" idx="13"/>
           </p:nvPr>
         </p:nvSpPr>
         <p:spPr/>
@@ -7470,7 +7328,11 @@
             <a:pPr>
               <a:defRPr/>
             </a:pPr>
-            <a:endParaRPr lang="en-US"/>
+            <a:r>
+              <a:rPr lang="en-US" smtClean="0"/>
+              <a:t>Chef Software, Inc.</a:t>
+            </a:r>
+            <a:endParaRPr lang="en-US" dirty="0"/>
           </a:p>
         </p:txBody>
       </p:sp>
@@ -7553,35 +7415,6 @@
       </p:sp>
       <p:sp>
         <p:nvSpPr>
-          <p:cNvPr id="4" name="Slide Number Placeholder 3"/>
-          <p:cNvSpPr>
-            <a:spLocks noGrp="1"/>
-          </p:cNvSpPr>
-          <p:nvPr>
-            <p:ph type="sldNum" sz="quarter" idx="10"/>
-          </p:nvPr>
-        </p:nvSpPr>
-        <p:spPr/>
-        <p:txBody>
-          <a:bodyPr/>
-          <a:lstStyle/>
-          <a:p>
-            <a:pPr>
-              <a:defRPr/>
-            </a:pPr>
-            <a:fld id="{DC3734AA-3150-D947-AC52-2F5DF48BFCD5}" type="slidenum">
-              <a:rPr lang="en-US" smtClean="0"/>
-              <a:pPr>
-                <a:defRPr/>
-              </a:pPr>
-              <a:t>11</a:t>
-            </a:fld>
-            <a:endParaRPr lang="en-US" dirty="0"/>
-          </a:p>
-        </p:txBody>
-      </p:sp>
-      <p:sp>
-        <p:nvSpPr>
           <p:cNvPr id="5" name="Header Placeholder 4"/>
           <p:cNvSpPr>
             <a:spLocks noGrp="1"/>
@@ -7598,18 +7431,22 @@
             <a:pPr>
               <a:defRPr/>
             </a:pPr>
+            <a:r>
+              <a:rPr lang="en-US" smtClean="0"/>
+              <a:t>Test Driven Cookbook Development</a:t>
+            </a:r>
             <a:endParaRPr lang="en-US"/>
           </a:p>
         </p:txBody>
       </p:sp>
       <p:sp>
         <p:nvSpPr>
-          <p:cNvPr id="6" name="Footer Placeholder 5"/>
+          <p:cNvPr id="7" name="Date Placeholder 6"/>
           <p:cNvSpPr>
             <a:spLocks noGrp="1"/>
           </p:cNvSpPr>
           <p:nvPr>
-            <p:ph type="ftr" sz="quarter" idx="12"/>
+            <p:ph type="dt" idx="13"/>
           </p:nvPr>
         </p:nvSpPr>
         <p:spPr/>
@@ -7620,7 +7457,11 @@
             <a:pPr>
               <a:defRPr/>
             </a:pPr>
-            <a:endParaRPr lang="en-US"/>
+            <a:r>
+              <a:rPr lang="en-US" smtClean="0"/>
+              <a:t>Chef Software, Inc.</a:t>
+            </a:r>
+            <a:endParaRPr lang="en-US" dirty="0"/>
           </a:p>
         </p:txBody>
       </p:sp>
@@ -7695,35 +7536,6 @@
       </p:sp>
       <p:sp>
         <p:nvSpPr>
-          <p:cNvPr id="4" name="Slide Number Placeholder 3"/>
-          <p:cNvSpPr>
-            <a:spLocks noGrp="1"/>
-          </p:cNvSpPr>
-          <p:nvPr>
-            <p:ph type="sldNum" sz="quarter" idx="10"/>
-          </p:nvPr>
-        </p:nvSpPr>
-        <p:spPr/>
-        <p:txBody>
-          <a:bodyPr/>
-          <a:lstStyle/>
-          <a:p>
-            <a:pPr>
-              <a:defRPr/>
-            </a:pPr>
-            <a:fld id="{DC3734AA-3150-D947-AC52-2F5DF48BFCD5}" type="slidenum">
-              <a:rPr lang="en-US" smtClean="0"/>
-              <a:pPr>
-                <a:defRPr/>
-              </a:pPr>
-              <a:t>12</a:t>
-            </a:fld>
-            <a:endParaRPr lang="en-US" dirty="0"/>
-          </a:p>
-        </p:txBody>
-      </p:sp>
-      <p:sp>
-        <p:nvSpPr>
           <p:cNvPr id="5" name="Header Placeholder 4"/>
           <p:cNvSpPr>
             <a:spLocks noGrp="1"/>
@@ -7740,18 +7552,22 @@
             <a:pPr>
               <a:defRPr/>
             </a:pPr>
+            <a:r>
+              <a:rPr lang="en-US" smtClean="0"/>
+              <a:t>Test Driven Cookbook Development</a:t>
+            </a:r>
             <a:endParaRPr lang="en-US"/>
           </a:p>
         </p:txBody>
       </p:sp>
       <p:sp>
         <p:nvSpPr>
-          <p:cNvPr id="6" name="Footer Placeholder 5"/>
+          <p:cNvPr id="7" name="Date Placeholder 6"/>
           <p:cNvSpPr>
             <a:spLocks noGrp="1"/>
           </p:cNvSpPr>
           <p:nvPr>
-            <p:ph type="ftr" sz="quarter" idx="12"/>
+            <p:ph type="dt" idx="13"/>
           </p:nvPr>
         </p:nvSpPr>
         <p:spPr/>
@@ -7762,7 +7578,11 @@
             <a:pPr>
               <a:defRPr/>
             </a:pPr>
-            <a:endParaRPr lang="en-US"/>
+            <a:r>
+              <a:rPr lang="en-US" smtClean="0"/>
+              <a:t>Chef Software, Inc.</a:t>
+            </a:r>
+            <a:endParaRPr lang="en-US" dirty="0"/>
           </a:p>
         </p:txBody>
       </p:sp>
@@ -7931,35 +7751,6 @@
       </p:sp>
       <p:sp>
         <p:nvSpPr>
-          <p:cNvPr id="4" name="Slide Number Placeholder 3"/>
-          <p:cNvSpPr>
-            <a:spLocks noGrp="1"/>
-          </p:cNvSpPr>
-          <p:nvPr>
-            <p:ph type="sldNum" sz="quarter" idx="10"/>
-          </p:nvPr>
-        </p:nvSpPr>
-        <p:spPr/>
-        <p:txBody>
-          <a:bodyPr/>
-          <a:lstStyle/>
-          <a:p>
-            <a:pPr>
-              <a:defRPr/>
-            </a:pPr>
-            <a:fld id="{DC3734AA-3150-D947-AC52-2F5DF48BFCD5}" type="slidenum">
-              <a:rPr lang="en-US" smtClean="0"/>
-              <a:pPr>
-                <a:defRPr/>
-              </a:pPr>
-              <a:t>13</a:t>
-            </a:fld>
-            <a:endParaRPr lang="en-US" dirty="0"/>
-          </a:p>
-        </p:txBody>
-      </p:sp>
-      <p:sp>
-        <p:nvSpPr>
           <p:cNvPr id="5" name="Header Placeholder 4"/>
           <p:cNvSpPr>
             <a:spLocks noGrp="1"/>
@@ -7976,18 +7767,22 @@
             <a:pPr>
               <a:defRPr/>
             </a:pPr>
+            <a:r>
+              <a:rPr lang="en-US" smtClean="0"/>
+              <a:t>Test Driven Cookbook Development</a:t>
+            </a:r>
             <a:endParaRPr lang="en-US"/>
           </a:p>
         </p:txBody>
       </p:sp>
       <p:sp>
         <p:nvSpPr>
-          <p:cNvPr id="6" name="Footer Placeholder 5"/>
+          <p:cNvPr id="7" name="Date Placeholder 6"/>
           <p:cNvSpPr>
             <a:spLocks noGrp="1"/>
           </p:cNvSpPr>
           <p:nvPr>
-            <p:ph type="ftr" sz="quarter" idx="12"/>
+            <p:ph type="dt" idx="13"/>
           </p:nvPr>
         </p:nvSpPr>
         <p:spPr/>
@@ -7998,7 +7793,11 @@
             <a:pPr>
               <a:defRPr/>
             </a:pPr>
-            <a:endParaRPr lang="en-US"/>
+            <a:r>
+              <a:rPr lang="en-US" smtClean="0"/>
+              <a:t>Chef Software, Inc.</a:t>
+            </a:r>
+            <a:endParaRPr lang="en-US" dirty="0"/>
           </a:p>
         </p:txBody>
       </p:sp>
@@ -8090,35 +7889,6 @@
       </p:sp>
       <p:sp>
         <p:nvSpPr>
-          <p:cNvPr id="4" name="Slide Number Placeholder 3"/>
-          <p:cNvSpPr>
-            <a:spLocks noGrp="1"/>
-          </p:cNvSpPr>
-          <p:nvPr>
-            <p:ph type="sldNum" sz="quarter" idx="10"/>
-          </p:nvPr>
-        </p:nvSpPr>
-        <p:spPr/>
-        <p:txBody>
-          <a:bodyPr/>
-          <a:lstStyle/>
-          <a:p>
-            <a:pPr>
-              <a:defRPr/>
-            </a:pPr>
-            <a:fld id="{DC3734AA-3150-D947-AC52-2F5DF48BFCD5}" type="slidenum">
-              <a:rPr lang="en-US" smtClean="0"/>
-              <a:pPr>
-                <a:defRPr/>
-              </a:pPr>
-              <a:t>14</a:t>
-            </a:fld>
-            <a:endParaRPr lang="en-US" dirty="0"/>
-          </a:p>
-        </p:txBody>
-      </p:sp>
-      <p:sp>
-        <p:nvSpPr>
           <p:cNvPr id="5" name="Header Placeholder 4"/>
           <p:cNvSpPr>
             <a:spLocks noGrp="1"/>
@@ -8135,18 +7905,22 @@
             <a:pPr>
               <a:defRPr/>
             </a:pPr>
+            <a:r>
+              <a:rPr lang="en-US" smtClean="0"/>
+              <a:t>Test Driven Cookbook Development</a:t>
+            </a:r>
             <a:endParaRPr lang="en-US"/>
           </a:p>
         </p:txBody>
       </p:sp>
       <p:sp>
         <p:nvSpPr>
-          <p:cNvPr id="6" name="Footer Placeholder 5"/>
+          <p:cNvPr id="7" name="Date Placeholder 6"/>
           <p:cNvSpPr>
             <a:spLocks noGrp="1"/>
           </p:cNvSpPr>
           <p:nvPr>
-            <p:ph type="ftr" sz="quarter" idx="12"/>
+            <p:ph type="dt" idx="13"/>
           </p:nvPr>
         </p:nvSpPr>
         <p:spPr/>
@@ -8157,7 +7931,11 @@
             <a:pPr>
               <a:defRPr/>
             </a:pPr>
-            <a:endParaRPr lang="en-US"/>
+            <a:r>
+              <a:rPr lang="en-US" smtClean="0"/>
+              <a:t>Chef Software, Inc.</a:t>
+            </a:r>
+            <a:endParaRPr lang="en-US" dirty="0"/>
           </a:p>
         </p:txBody>
       </p:sp>
@@ -8232,12 +8010,12 @@
       </p:sp>
       <p:sp>
         <p:nvSpPr>
-          <p:cNvPr id="4" name="Slide Number Placeholder 3"/>
+          <p:cNvPr id="5" name="Header Placeholder 4"/>
           <p:cNvSpPr>
             <a:spLocks noGrp="1"/>
           </p:cNvSpPr>
           <p:nvPr>
-            <p:ph type="sldNum" sz="quarter" idx="10"/>
+            <p:ph type="hdr" sz="quarter" idx="11"/>
           </p:nvPr>
         </p:nvSpPr>
         <p:spPr/>
@@ -8248,13 +8026,123 @@
             <a:pPr>
               <a:defRPr/>
             </a:pPr>
-            <a:fld id="{DC3734AA-3150-D947-AC52-2F5DF48BFCD5}" type="slidenum">
+            <a:r>
               <a:rPr lang="en-US" smtClean="0"/>
-              <a:pPr>
-                <a:defRPr/>
-              </a:pPr>
-              <a:t>15</a:t>
-            </a:fld>
+              <a:t>Test Driven Cookbook Development</a:t>
+            </a:r>
+            <a:endParaRPr lang="en-US"/>
+          </a:p>
+        </p:txBody>
+      </p:sp>
+      <p:sp>
+        <p:nvSpPr>
+          <p:cNvPr id="7" name="Date Placeholder 6"/>
+          <p:cNvSpPr>
+            <a:spLocks noGrp="1"/>
+          </p:cNvSpPr>
+          <p:nvPr>
+            <p:ph type="dt" idx="13"/>
+          </p:nvPr>
+        </p:nvSpPr>
+        <p:spPr/>
+        <p:txBody>
+          <a:bodyPr/>
+          <a:lstStyle/>
+          <a:p>
+            <a:pPr>
+              <a:defRPr/>
+            </a:pPr>
+            <a:r>
+              <a:rPr lang="en-US" smtClean="0"/>
+              <a:t>Chef Software, Inc.</a:t>
+            </a:r>
+            <a:endParaRPr lang="en-US" dirty="0"/>
+          </a:p>
+        </p:txBody>
+      </p:sp>
+    </p:spTree>
+    <p:extLst>
+      <p:ext uri="{BB962C8B-B14F-4D97-AF65-F5344CB8AC3E}">
+        <p14:creationId xmlns:p14="http://schemas.microsoft.com/office/powerpoint/2010/main" val="1857106876"/>
+      </p:ext>
+    </p:extLst>
+  </p:cSld>
+  <p:clrMapOvr>
+    <a:masterClrMapping/>
+  </p:clrMapOvr>
+</p:notes>
+</file>
+
+<file path=ppt/notesSlides/notesSlide16.xml><?xml version="1.0" encoding="utf-8"?>
+<p:notes xmlns:a="http://schemas.openxmlformats.org/drawingml/2006/main" xmlns:r="http://schemas.openxmlformats.org/officeDocument/2006/relationships" xmlns:p="http://schemas.openxmlformats.org/presentationml/2006/main">
+  <p:cSld>
+    <p:spTree>
+      <p:nvGrpSpPr>
+        <p:cNvPr id="1" name=""/>
+        <p:cNvGrpSpPr/>
+        <p:nvPr/>
+      </p:nvGrpSpPr>
+      <p:grpSpPr>
+        <a:xfrm>
+          <a:off x="0" y="0"/>
+          <a:ext cx="0" cy="0"/>
+          <a:chOff x="0" y="0"/>
+          <a:chExt cx="0" cy="0"/>
+        </a:xfrm>
+      </p:grpSpPr>
+      <p:sp>
+        <p:nvSpPr>
+          <p:cNvPr id="2" name="Slide Image Placeholder 1"/>
+          <p:cNvSpPr>
+            <a:spLocks noGrp="1" noRot="1" noChangeAspect="1"/>
+          </p:cNvSpPr>
+          <p:nvPr>
+            <p:ph type="sldImg"/>
+          </p:nvPr>
+        </p:nvSpPr>
+        <p:spPr/>
+      </p:sp>
+      <p:sp>
+        <p:nvSpPr>
+          <p:cNvPr id="3" name="Notes Placeholder 2"/>
+          <p:cNvSpPr>
+            <a:spLocks noGrp="1"/>
+          </p:cNvSpPr>
+          <p:nvPr>
+            <p:ph type="body" idx="1"/>
+          </p:nvPr>
+        </p:nvSpPr>
+        <p:spPr/>
+        <p:txBody>
+          <a:bodyPr/>
+          <a:lstStyle/>
+          <a:p>
+            <a:endParaRPr lang="en-US"/>
+          </a:p>
+        </p:txBody>
+      </p:sp>
+      <p:sp>
+        <p:nvSpPr>
+          <p:cNvPr id="4" name="Date Placeholder 3"/>
+          <p:cNvSpPr>
+            <a:spLocks noGrp="1"/>
+          </p:cNvSpPr>
+          <p:nvPr>
+            <p:ph type="dt" idx="10"/>
+          </p:nvPr>
+        </p:nvSpPr>
+        <p:spPr/>
+        <p:txBody>
+          <a:bodyPr/>
+          <a:lstStyle/>
+          <a:p>
+            <a:pPr>
+              <a:defRPr/>
+            </a:pPr>
+            <a:r>
+              <a:rPr lang="en-US" smtClean="0"/>
+              <a:t>Chef Software, Inc.</a:t>
+            </a:r>
             <a:endParaRPr lang="en-US" dirty="0"/>
           </a:p>
         </p:txBody>
@@ -8277,28 +8165,10 @@
             <a:pPr>
               <a:defRPr/>
             </a:pPr>
-            <a:endParaRPr lang="en-US"/>
-          </a:p>
-        </p:txBody>
-      </p:sp>
-      <p:sp>
-        <p:nvSpPr>
-          <p:cNvPr id="6" name="Footer Placeholder 5"/>
-          <p:cNvSpPr>
-            <a:spLocks noGrp="1"/>
-          </p:cNvSpPr>
-          <p:nvPr>
-            <p:ph type="ftr" sz="quarter" idx="12"/>
-          </p:nvPr>
-        </p:nvSpPr>
-        <p:spPr/>
-        <p:txBody>
-          <a:bodyPr/>
-          <a:lstStyle/>
-          <a:p>
-            <a:pPr>
-              <a:defRPr/>
-            </a:pPr>
+            <a:r>
+              <a:rPr lang="en-US" smtClean="0"/>
+              <a:t>Test Driven Cookbook Development</a:t>
+            </a:r>
             <a:endParaRPr lang="en-US"/>
           </a:p>
         </p:txBody>
@@ -8306,7 +8176,7 @@
     </p:spTree>
     <p:extLst>
       <p:ext uri="{BB962C8B-B14F-4D97-AF65-F5344CB8AC3E}">
-        <p14:creationId xmlns:p14="http://schemas.microsoft.com/office/powerpoint/2010/main" val="1857106876"/>
+        <p14:creationId xmlns:p14="http://schemas.microsoft.com/office/powerpoint/2010/main" val="609835113"/>
       </p:ext>
     </p:extLst>
   </p:cSld>
@@ -8386,35 +8256,6 @@
       </p:sp>
       <p:sp>
         <p:nvSpPr>
-          <p:cNvPr id="4" name="Slide Number Placeholder 3"/>
-          <p:cNvSpPr>
-            <a:spLocks noGrp="1"/>
-          </p:cNvSpPr>
-          <p:nvPr>
-            <p:ph type="sldNum" sz="quarter" idx="10"/>
-          </p:nvPr>
-        </p:nvSpPr>
-        <p:spPr/>
-        <p:txBody>
-          <a:bodyPr/>
-          <a:lstStyle/>
-          <a:p>
-            <a:pPr>
-              <a:defRPr/>
-            </a:pPr>
-            <a:fld id="{DC3734AA-3150-D947-AC52-2F5DF48BFCD5}" type="slidenum">
-              <a:rPr lang="en-US" smtClean="0"/>
-              <a:pPr>
-                <a:defRPr/>
-              </a:pPr>
-              <a:t>2</a:t>
-            </a:fld>
-            <a:endParaRPr lang="en-US" dirty="0"/>
-          </a:p>
-        </p:txBody>
-      </p:sp>
-      <p:sp>
-        <p:nvSpPr>
           <p:cNvPr id="5" name="Header Placeholder 4"/>
           <p:cNvSpPr>
             <a:spLocks noGrp="1"/>
@@ -8431,18 +8272,22 @@
             <a:pPr>
               <a:defRPr/>
             </a:pPr>
+            <a:r>
+              <a:rPr lang="en-US" smtClean="0"/>
+              <a:t>Test Driven Cookbook Development</a:t>
+            </a:r>
             <a:endParaRPr lang="en-US"/>
           </a:p>
         </p:txBody>
       </p:sp>
       <p:sp>
         <p:nvSpPr>
-          <p:cNvPr id="6" name="Footer Placeholder 5"/>
+          <p:cNvPr id="7" name="Date Placeholder 6"/>
           <p:cNvSpPr>
             <a:spLocks noGrp="1"/>
           </p:cNvSpPr>
           <p:nvPr>
-            <p:ph type="ftr" sz="quarter" idx="12"/>
+            <p:ph type="dt" idx="13"/>
           </p:nvPr>
         </p:nvSpPr>
         <p:spPr/>
@@ -8453,7 +8298,11 @@
             <a:pPr>
               <a:defRPr/>
             </a:pPr>
-            <a:endParaRPr lang="en-US"/>
+            <a:r>
+              <a:rPr lang="en-US" smtClean="0"/>
+              <a:t>Chef Software, Inc.</a:t>
+            </a:r>
+            <a:endParaRPr lang="en-US" dirty="0"/>
           </a:p>
         </p:txBody>
       </p:sp>
@@ -8692,35 +8541,6 @@
       </p:sp>
       <p:sp>
         <p:nvSpPr>
-          <p:cNvPr id="4" name="Slide Number Placeholder 3"/>
-          <p:cNvSpPr>
-            <a:spLocks noGrp="1"/>
-          </p:cNvSpPr>
-          <p:nvPr>
-            <p:ph type="sldNum" sz="quarter" idx="10"/>
-          </p:nvPr>
-        </p:nvSpPr>
-        <p:spPr/>
-        <p:txBody>
-          <a:bodyPr/>
-          <a:lstStyle/>
-          <a:p>
-            <a:pPr>
-              <a:defRPr/>
-            </a:pPr>
-            <a:fld id="{DC3734AA-3150-D947-AC52-2F5DF48BFCD5}" type="slidenum">
-              <a:rPr lang="en-US" smtClean="0"/>
-              <a:pPr>
-                <a:defRPr/>
-              </a:pPr>
-              <a:t>3</a:t>
-            </a:fld>
-            <a:endParaRPr lang="en-US" dirty="0"/>
-          </a:p>
-        </p:txBody>
-      </p:sp>
-      <p:sp>
-        <p:nvSpPr>
           <p:cNvPr id="5" name="Header Placeholder 4"/>
           <p:cNvSpPr>
             <a:spLocks noGrp="1"/>
@@ -8737,18 +8557,22 @@
             <a:pPr>
               <a:defRPr/>
             </a:pPr>
+            <a:r>
+              <a:rPr lang="en-US" smtClean="0"/>
+              <a:t>Test Driven Cookbook Development</a:t>
+            </a:r>
             <a:endParaRPr lang="en-US"/>
           </a:p>
         </p:txBody>
       </p:sp>
       <p:sp>
         <p:nvSpPr>
-          <p:cNvPr id="6" name="Footer Placeholder 5"/>
+          <p:cNvPr id="7" name="Date Placeholder 6"/>
           <p:cNvSpPr>
             <a:spLocks noGrp="1"/>
           </p:cNvSpPr>
           <p:nvPr>
-            <p:ph type="ftr" sz="quarter" idx="12"/>
+            <p:ph type="dt" idx="13"/>
           </p:nvPr>
         </p:nvSpPr>
         <p:spPr/>
@@ -8759,7 +8583,11 @@
             <a:pPr>
               <a:defRPr/>
             </a:pPr>
-            <a:endParaRPr lang="en-US"/>
+            <a:r>
+              <a:rPr lang="en-US" smtClean="0"/>
+              <a:t>Chef Software, Inc.</a:t>
+            </a:r>
+            <a:endParaRPr lang="en-US" dirty="0"/>
           </a:p>
         </p:txBody>
       </p:sp>
@@ -8846,35 +8674,6 @@
       </p:sp>
       <p:sp>
         <p:nvSpPr>
-          <p:cNvPr id="4" name="Slide Number Placeholder 3"/>
-          <p:cNvSpPr>
-            <a:spLocks noGrp="1"/>
-          </p:cNvSpPr>
-          <p:nvPr>
-            <p:ph type="sldNum" sz="quarter" idx="10"/>
-          </p:nvPr>
-        </p:nvSpPr>
-        <p:spPr/>
-        <p:txBody>
-          <a:bodyPr/>
-          <a:lstStyle/>
-          <a:p>
-            <a:pPr>
-              <a:defRPr/>
-            </a:pPr>
-            <a:fld id="{DC3734AA-3150-D947-AC52-2F5DF48BFCD5}" type="slidenum">
-              <a:rPr lang="en-US" smtClean="0"/>
-              <a:pPr>
-                <a:defRPr/>
-              </a:pPr>
-              <a:t>4</a:t>
-            </a:fld>
-            <a:endParaRPr lang="en-US" dirty="0"/>
-          </a:p>
-        </p:txBody>
-      </p:sp>
-      <p:sp>
-        <p:nvSpPr>
           <p:cNvPr id="5" name="Header Placeholder 4"/>
           <p:cNvSpPr>
             <a:spLocks noGrp="1"/>
@@ -8891,18 +8690,22 @@
             <a:pPr>
               <a:defRPr/>
             </a:pPr>
+            <a:r>
+              <a:rPr lang="en-US" smtClean="0"/>
+              <a:t>Test Driven Cookbook Development</a:t>
+            </a:r>
             <a:endParaRPr lang="en-US"/>
           </a:p>
         </p:txBody>
       </p:sp>
       <p:sp>
         <p:nvSpPr>
-          <p:cNvPr id="6" name="Footer Placeholder 5"/>
+          <p:cNvPr id="7" name="Date Placeholder 6"/>
           <p:cNvSpPr>
             <a:spLocks noGrp="1"/>
           </p:cNvSpPr>
           <p:nvPr>
-            <p:ph type="ftr" sz="quarter" idx="12"/>
+            <p:ph type="dt" idx="13"/>
           </p:nvPr>
         </p:nvSpPr>
         <p:spPr/>
@@ -8913,7 +8716,11 @@
             <a:pPr>
               <a:defRPr/>
             </a:pPr>
-            <a:endParaRPr lang="en-US"/>
+            <a:r>
+              <a:rPr lang="en-US" smtClean="0"/>
+              <a:t>Chef Software, Inc.</a:t>
+            </a:r>
+            <a:endParaRPr lang="en-US" dirty="0"/>
           </a:p>
         </p:txBody>
       </p:sp>
@@ -9000,35 +8807,6 @@
       </p:sp>
       <p:sp>
         <p:nvSpPr>
-          <p:cNvPr id="4" name="Slide Number Placeholder 3"/>
-          <p:cNvSpPr>
-            <a:spLocks noGrp="1"/>
-          </p:cNvSpPr>
-          <p:nvPr>
-            <p:ph type="sldNum" sz="quarter" idx="10"/>
-          </p:nvPr>
-        </p:nvSpPr>
-        <p:spPr/>
-        <p:txBody>
-          <a:bodyPr/>
-          <a:lstStyle/>
-          <a:p>
-            <a:pPr>
-              <a:defRPr/>
-            </a:pPr>
-            <a:fld id="{DC3734AA-3150-D947-AC52-2F5DF48BFCD5}" type="slidenum">
-              <a:rPr lang="en-US" smtClean="0"/>
-              <a:pPr>
-                <a:defRPr/>
-              </a:pPr>
-              <a:t>5</a:t>
-            </a:fld>
-            <a:endParaRPr lang="en-US" dirty="0"/>
-          </a:p>
-        </p:txBody>
-      </p:sp>
-      <p:sp>
-        <p:nvSpPr>
           <p:cNvPr id="5" name="Header Placeholder 4"/>
           <p:cNvSpPr>
             <a:spLocks noGrp="1"/>
@@ -9045,18 +8823,22 @@
             <a:pPr>
               <a:defRPr/>
             </a:pPr>
+            <a:r>
+              <a:rPr lang="en-US" smtClean="0"/>
+              <a:t>Test Driven Cookbook Development</a:t>
+            </a:r>
             <a:endParaRPr lang="en-US"/>
           </a:p>
         </p:txBody>
       </p:sp>
       <p:sp>
         <p:nvSpPr>
-          <p:cNvPr id="6" name="Footer Placeholder 5"/>
+          <p:cNvPr id="7" name="Date Placeholder 6"/>
           <p:cNvSpPr>
             <a:spLocks noGrp="1"/>
           </p:cNvSpPr>
           <p:nvPr>
-            <p:ph type="ftr" sz="quarter" idx="12"/>
+            <p:ph type="dt" idx="13"/>
           </p:nvPr>
         </p:nvSpPr>
         <p:spPr/>
@@ -9067,7 +8849,11 @@
             <a:pPr>
               <a:defRPr/>
             </a:pPr>
-            <a:endParaRPr lang="en-US"/>
+            <a:r>
+              <a:rPr lang="en-US" smtClean="0"/>
+              <a:t>Chef Software, Inc.</a:t>
+            </a:r>
+            <a:endParaRPr lang="en-US" dirty="0"/>
           </a:p>
         </p:txBody>
       </p:sp>
@@ -9151,35 +8937,6 @@
       </p:sp>
       <p:sp>
         <p:nvSpPr>
-          <p:cNvPr id="4" name="Slide Number Placeholder 3"/>
-          <p:cNvSpPr>
-            <a:spLocks noGrp="1"/>
-          </p:cNvSpPr>
-          <p:nvPr>
-            <p:ph type="sldNum" sz="quarter" idx="10"/>
-          </p:nvPr>
-        </p:nvSpPr>
-        <p:spPr/>
-        <p:txBody>
-          <a:bodyPr/>
-          <a:lstStyle/>
-          <a:p>
-            <a:pPr>
-              <a:defRPr/>
-            </a:pPr>
-            <a:fld id="{DC3734AA-3150-D947-AC52-2F5DF48BFCD5}" type="slidenum">
-              <a:rPr lang="en-US" smtClean="0"/>
-              <a:pPr>
-                <a:defRPr/>
-              </a:pPr>
-              <a:t>6</a:t>
-            </a:fld>
-            <a:endParaRPr lang="en-US" dirty="0"/>
-          </a:p>
-        </p:txBody>
-      </p:sp>
-      <p:sp>
-        <p:nvSpPr>
           <p:cNvPr id="5" name="Header Placeholder 4"/>
           <p:cNvSpPr>
             <a:spLocks noGrp="1"/>
@@ -9196,18 +8953,22 @@
             <a:pPr>
               <a:defRPr/>
             </a:pPr>
+            <a:r>
+              <a:rPr lang="en-US" smtClean="0"/>
+              <a:t>Test Driven Cookbook Development</a:t>
+            </a:r>
             <a:endParaRPr lang="en-US"/>
           </a:p>
         </p:txBody>
       </p:sp>
       <p:sp>
         <p:nvSpPr>
-          <p:cNvPr id="6" name="Footer Placeholder 5"/>
+          <p:cNvPr id="7" name="Date Placeholder 6"/>
           <p:cNvSpPr>
             <a:spLocks noGrp="1"/>
           </p:cNvSpPr>
           <p:nvPr>
-            <p:ph type="ftr" sz="quarter" idx="12"/>
+            <p:ph type="dt" idx="13"/>
           </p:nvPr>
         </p:nvSpPr>
         <p:spPr/>
@@ -9218,7 +8979,11 @@
             <a:pPr>
               <a:defRPr/>
             </a:pPr>
-            <a:endParaRPr lang="en-US"/>
+            <a:r>
+              <a:rPr lang="en-US" smtClean="0"/>
+              <a:t>Chef Software, Inc.</a:t>
+            </a:r>
+            <a:endParaRPr lang="en-US" dirty="0"/>
           </a:p>
         </p:txBody>
       </p:sp>
@@ -9314,35 +9079,6 @@
       </p:sp>
       <p:sp>
         <p:nvSpPr>
-          <p:cNvPr id="4" name="Slide Number Placeholder 3"/>
-          <p:cNvSpPr>
-            <a:spLocks noGrp="1"/>
-          </p:cNvSpPr>
-          <p:nvPr>
-            <p:ph type="sldNum" sz="quarter" idx="10"/>
-          </p:nvPr>
-        </p:nvSpPr>
-        <p:spPr/>
-        <p:txBody>
-          <a:bodyPr/>
-          <a:lstStyle/>
-          <a:p>
-            <a:pPr>
-              <a:defRPr/>
-            </a:pPr>
-            <a:fld id="{DC3734AA-3150-D947-AC52-2F5DF48BFCD5}" type="slidenum">
-              <a:rPr lang="en-US" smtClean="0"/>
-              <a:pPr>
-                <a:defRPr/>
-              </a:pPr>
-              <a:t>7</a:t>
-            </a:fld>
-            <a:endParaRPr lang="en-US" dirty="0"/>
-          </a:p>
-        </p:txBody>
-      </p:sp>
-      <p:sp>
-        <p:nvSpPr>
           <p:cNvPr id="5" name="Header Placeholder 4"/>
           <p:cNvSpPr>
             <a:spLocks noGrp="1"/>
@@ -9359,18 +9095,22 @@
             <a:pPr>
               <a:defRPr/>
             </a:pPr>
+            <a:r>
+              <a:rPr lang="en-US" smtClean="0"/>
+              <a:t>Test Driven Cookbook Development</a:t>
+            </a:r>
             <a:endParaRPr lang="en-US"/>
           </a:p>
         </p:txBody>
       </p:sp>
       <p:sp>
         <p:nvSpPr>
-          <p:cNvPr id="6" name="Footer Placeholder 5"/>
+          <p:cNvPr id="7" name="Date Placeholder 6"/>
           <p:cNvSpPr>
             <a:spLocks noGrp="1"/>
           </p:cNvSpPr>
           <p:nvPr>
-            <p:ph type="ftr" sz="quarter" idx="12"/>
+            <p:ph type="dt" idx="13"/>
           </p:nvPr>
         </p:nvSpPr>
         <p:spPr/>
@@ -9381,7 +9121,11 @@
             <a:pPr>
               <a:defRPr/>
             </a:pPr>
-            <a:endParaRPr lang="en-US"/>
+            <a:r>
+              <a:rPr lang="en-US" smtClean="0"/>
+              <a:t>Chef Software, Inc.</a:t>
+            </a:r>
+            <a:endParaRPr lang="en-US" dirty="0"/>
           </a:p>
         </p:txBody>
       </p:sp>
@@ -9549,35 +9293,6 @@
       </p:sp>
       <p:sp>
         <p:nvSpPr>
-          <p:cNvPr id="4" name="Slide Number Placeholder 3"/>
-          <p:cNvSpPr>
-            <a:spLocks noGrp="1"/>
-          </p:cNvSpPr>
-          <p:nvPr>
-            <p:ph type="sldNum" sz="quarter" idx="10"/>
-          </p:nvPr>
-        </p:nvSpPr>
-        <p:spPr/>
-        <p:txBody>
-          <a:bodyPr/>
-          <a:lstStyle/>
-          <a:p>
-            <a:pPr>
-              <a:defRPr/>
-            </a:pPr>
-            <a:fld id="{DC3734AA-3150-D947-AC52-2F5DF48BFCD5}" type="slidenum">
-              <a:rPr lang="en-US" smtClean="0"/>
-              <a:pPr>
-                <a:defRPr/>
-              </a:pPr>
-              <a:t>8</a:t>
-            </a:fld>
-            <a:endParaRPr lang="en-US" dirty="0"/>
-          </a:p>
-        </p:txBody>
-      </p:sp>
-      <p:sp>
-        <p:nvSpPr>
           <p:cNvPr id="5" name="Header Placeholder 4"/>
           <p:cNvSpPr>
             <a:spLocks noGrp="1"/>
@@ -9594,18 +9309,22 @@
             <a:pPr>
               <a:defRPr/>
             </a:pPr>
+            <a:r>
+              <a:rPr lang="en-US" smtClean="0"/>
+              <a:t>Test Driven Cookbook Development</a:t>
+            </a:r>
             <a:endParaRPr lang="en-US"/>
           </a:p>
         </p:txBody>
       </p:sp>
       <p:sp>
         <p:nvSpPr>
-          <p:cNvPr id="6" name="Footer Placeholder 5"/>
+          <p:cNvPr id="7" name="Date Placeholder 6"/>
           <p:cNvSpPr>
             <a:spLocks noGrp="1"/>
           </p:cNvSpPr>
           <p:nvPr>
-            <p:ph type="ftr" sz="quarter" idx="12"/>
+            <p:ph type="dt" idx="13"/>
           </p:nvPr>
         </p:nvSpPr>
         <p:spPr/>
@@ -9616,7 +9335,11 @@
             <a:pPr>
               <a:defRPr/>
             </a:pPr>
-            <a:endParaRPr lang="en-US"/>
+            <a:r>
+              <a:rPr lang="en-US" smtClean="0"/>
+              <a:t>Chef Software, Inc.</a:t>
+            </a:r>
+            <a:endParaRPr lang="en-US" dirty="0"/>
           </a:p>
         </p:txBody>
       </p:sp>
@@ -9734,35 +9457,6 @@
       </p:sp>
       <p:sp>
         <p:nvSpPr>
-          <p:cNvPr id="4" name="Slide Number Placeholder 3"/>
-          <p:cNvSpPr>
-            <a:spLocks noGrp="1"/>
-          </p:cNvSpPr>
-          <p:nvPr>
-            <p:ph type="sldNum" sz="quarter" idx="10"/>
-          </p:nvPr>
-        </p:nvSpPr>
-        <p:spPr/>
-        <p:txBody>
-          <a:bodyPr/>
-          <a:lstStyle/>
-          <a:p>
-            <a:pPr>
-              <a:defRPr/>
-            </a:pPr>
-            <a:fld id="{DC3734AA-3150-D947-AC52-2F5DF48BFCD5}" type="slidenum">
-              <a:rPr lang="en-US" smtClean="0"/>
-              <a:pPr>
-                <a:defRPr/>
-              </a:pPr>
-              <a:t>9</a:t>
-            </a:fld>
-            <a:endParaRPr lang="en-US" dirty="0"/>
-          </a:p>
-        </p:txBody>
-      </p:sp>
-      <p:sp>
-        <p:nvSpPr>
           <p:cNvPr id="5" name="Header Placeholder 4"/>
           <p:cNvSpPr>
             <a:spLocks noGrp="1"/>
@@ -9779,18 +9473,22 @@
             <a:pPr>
               <a:defRPr/>
             </a:pPr>
+            <a:r>
+              <a:rPr lang="en-US" smtClean="0"/>
+              <a:t>Test Driven Cookbook Development</a:t>
+            </a:r>
             <a:endParaRPr lang="en-US"/>
           </a:p>
         </p:txBody>
       </p:sp>
       <p:sp>
         <p:nvSpPr>
-          <p:cNvPr id="6" name="Footer Placeholder 5"/>
+          <p:cNvPr id="7" name="Date Placeholder 6"/>
           <p:cNvSpPr>
             <a:spLocks noGrp="1"/>
           </p:cNvSpPr>
           <p:nvPr>
-            <p:ph type="ftr" sz="quarter" idx="12"/>
+            <p:ph type="dt" idx="13"/>
           </p:nvPr>
         </p:nvSpPr>
         <p:spPr/>
@@ -9801,7 +9499,11 @@
             <a:pPr>
               <a:defRPr/>
             </a:pPr>
-            <a:endParaRPr lang="en-US"/>
+            <a:r>
+              <a:rPr lang="en-US" smtClean="0"/>
+              <a:t>Chef Software, Inc.</a:t>
+            </a:r>
+            <a:endParaRPr lang="en-US" dirty="0"/>
           </a:p>
         </p:txBody>
       </p:sp>
@@ -10397,14 +10099,14 @@
           </a:ln>
           <a:extLst>
             <a:ext uri="{909E8E84-426E-40dd-AFC4-6F175D3DCCD1}">
-              <a14:hiddenFill xmlns:a14="http://schemas.microsoft.com/office/drawing/2010/main" xmlns="">
+              <a14:hiddenFill xmlns="" xmlns:a14="http://schemas.microsoft.com/office/drawing/2010/main">
                 <a:solidFill>
                   <a:srgbClr val="FFFFFF"/>
                 </a:solidFill>
               </a14:hiddenFill>
             </a:ext>
             <a:ext uri="{91240B29-F687-4f45-9708-019B960494DF}">
-              <a14:hiddenLine xmlns:a14="http://schemas.microsoft.com/office/drawing/2010/main" xmlns="" w="9525">
+              <a14:hiddenLine xmlns="" xmlns:a14="http://schemas.microsoft.com/office/drawing/2010/main" w="9525">
                 <a:solidFill>
                   <a:srgbClr val="000000"/>
                 </a:solidFill>
@@ -10552,14 +10254,14 @@
           </a:ln>
           <a:extLst>
             <a:ext uri="{909E8E84-426E-40dd-AFC4-6F175D3DCCD1}">
-              <a14:hiddenFill xmlns:a14="http://schemas.microsoft.com/office/drawing/2010/main" xmlns="">
+              <a14:hiddenFill xmlns="" xmlns:a14="http://schemas.microsoft.com/office/drawing/2010/main">
                 <a:solidFill>
                   <a:srgbClr val="FFFFFF"/>
                 </a:solidFill>
               </a14:hiddenFill>
             </a:ext>
             <a:ext uri="{91240B29-F687-4f45-9708-019B960494DF}">
-              <a14:hiddenLine xmlns:a14="http://schemas.microsoft.com/office/drawing/2010/main" xmlns="" w="9525">
+              <a14:hiddenLine xmlns="" xmlns:a14="http://schemas.microsoft.com/office/drawing/2010/main" w="9525">
                 <a:solidFill>
                   <a:srgbClr val="000000"/>
                 </a:solidFill>
@@ -11057,14 +10759,14 @@
           </a:ln>
           <a:extLst>
             <a:ext uri="{909E8E84-426E-40dd-AFC4-6F175D3DCCD1}">
-              <a14:hiddenFill xmlns:a14="http://schemas.microsoft.com/office/drawing/2010/main" xmlns="">
+              <a14:hiddenFill xmlns="" xmlns:a14="http://schemas.microsoft.com/office/drawing/2010/main">
                 <a:solidFill>
                   <a:srgbClr val="FFFFFF"/>
                 </a:solidFill>
               </a14:hiddenFill>
             </a:ext>
             <a:ext uri="{91240B29-F687-4f45-9708-019B960494DF}">
-              <a14:hiddenLine xmlns:a14="http://schemas.microsoft.com/office/drawing/2010/main" xmlns="" w="9525">
+              <a14:hiddenLine xmlns="" xmlns:a14="http://schemas.microsoft.com/office/drawing/2010/main" w="9525">
                 <a:solidFill>
                   <a:srgbClr val="000000"/>
                 </a:solidFill>
@@ -12548,14 +12250,14 @@
           </a:ln>
           <a:extLst>
             <a:ext uri="{909E8E84-426E-40dd-AFC4-6F175D3DCCD1}">
-              <a14:hiddenFill xmlns:a14="http://schemas.microsoft.com/office/drawing/2010/main" xmlns="">
+              <a14:hiddenFill xmlns="" xmlns:a14="http://schemas.microsoft.com/office/drawing/2010/main">
                 <a:solidFill>
                   <a:srgbClr val="FFFFFF"/>
                 </a:solidFill>
               </a14:hiddenFill>
             </a:ext>
             <a:ext uri="{91240B29-F687-4f45-9708-019B960494DF}">
-              <a14:hiddenLine xmlns:a14="http://schemas.microsoft.com/office/drawing/2010/main" xmlns="" w="9525">
+              <a14:hiddenLine xmlns="" xmlns:a14="http://schemas.microsoft.com/office/drawing/2010/main" w="9525">
                 <a:solidFill>
                   <a:srgbClr val="000000"/>
                 </a:solidFill>
@@ -13944,14 +13646,14 @@
           </a:ln>
           <a:extLst>
             <a:ext uri="{909E8E84-426E-40dd-AFC4-6F175D3DCCD1}">
-              <a14:hiddenFill xmlns:a14="http://schemas.microsoft.com/office/drawing/2010/main" xmlns="">
+              <a14:hiddenFill xmlns="" xmlns:a14="http://schemas.microsoft.com/office/drawing/2010/main">
                 <a:solidFill>
                   <a:srgbClr val="FFFFFF"/>
                 </a:solidFill>
               </a14:hiddenFill>
             </a:ext>
             <a:ext uri="{91240B29-F687-4f45-9708-019B960494DF}">
-              <a14:hiddenLine xmlns:a14="http://schemas.microsoft.com/office/drawing/2010/main" xmlns="" w="9525">
+              <a14:hiddenLine xmlns="" xmlns:a14="http://schemas.microsoft.com/office/drawing/2010/main" w="9525">
                 <a:solidFill>
                   <a:srgbClr val="000000"/>
                 </a:solidFill>
@@ -14523,14 +14225,14 @@
           </a:ln>
           <a:extLst>
             <a:ext uri="{909E8E84-426E-40dd-AFC4-6F175D3DCCD1}">
-              <a14:hiddenFill xmlns:a14="http://schemas.microsoft.com/office/drawing/2010/main" xmlns="">
+              <a14:hiddenFill xmlns="" xmlns:a14="http://schemas.microsoft.com/office/drawing/2010/main">
                 <a:solidFill>
                   <a:srgbClr val="FFFFFF"/>
                 </a:solidFill>
               </a14:hiddenFill>
             </a:ext>
             <a:ext uri="{91240B29-F687-4f45-9708-019B960494DF}">
-              <a14:hiddenLine xmlns:a14="http://schemas.microsoft.com/office/drawing/2010/main" xmlns="" w="9525">
+              <a14:hiddenLine xmlns="" xmlns:a14="http://schemas.microsoft.com/office/drawing/2010/main" w="9525">
                 <a:solidFill>
                   <a:srgbClr val="000000"/>
                 </a:solidFill>
@@ -15111,14 +14813,14 @@
           </a:ln>
           <a:extLst>
             <a:ext uri="{909E8E84-426E-40dd-AFC4-6F175D3DCCD1}">
-              <a14:hiddenFill xmlns:a14="http://schemas.microsoft.com/office/drawing/2010/main" xmlns="">
+              <a14:hiddenFill xmlns="" xmlns:a14="http://schemas.microsoft.com/office/drawing/2010/main">
                 <a:solidFill>
                   <a:srgbClr val="FFFFFF"/>
                 </a:solidFill>
               </a14:hiddenFill>
             </a:ext>
             <a:ext uri="{91240B29-F687-4f45-9708-019B960494DF}">
-              <a14:hiddenLine xmlns:a14="http://schemas.microsoft.com/office/drawing/2010/main" xmlns="" w="9525">
+              <a14:hiddenLine xmlns="" xmlns:a14="http://schemas.microsoft.com/office/drawing/2010/main" w="9525">
                 <a:solidFill>
                   <a:srgbClr val="000000"/>
                 </a:solidFill>
@@ -16079,14 +15781,14 @@
           </a:ln>
           <a:extLst>
             <a:ext uri="{909E8E84-426E-40dd-AFC4-6F175D3DCCD1}">
-              <a14:hiddenFill xmlns:a14="http://schemas.microsoft.com/office/drawing/2010/main" xmlns="">
+              <a14:hiddenFill xmlns="" xmlns:a14="http://schemas.microsoft.com/office/drawing/2010/main">
                 <a:solidFill>
                   <a:srgbClr val="FFFFFF"/>
                 </a:solidFill>
               </a14:hiddenFill>
             </a:ext>
             <a:ext uri="{91240B29-F687-4f45-9708-019B960494DF}">
-              <a14:hiddenLine xmlns:a14="http://schemas.microsoft.com/office/drawing/2010/main" xmlns="" w="9525">
+              <a14:hiddenLine xmlns="" xmlns:a14="http://schemas.microsoft.com/office/drawing/2010/main" w="9525">
                 <a:solidFill>
                   <a:srgbClr val="000000"/>
                 </a:solidFill>
@@ -16166,7 +15868,7 @@
               <a:defRPr/>
             </a:pPr>
             <a:r>
-              <a:rPr lang="en-US" dirty="0">
+              <a:rPr lang="en-US" dirty="0" smtClean="0">
                 <a:solidFill>
                   <a:srgbClr val="7D868C"/>
                 </a:solidFill>
@@ -16177,6 +15879,17 @@
               <a:t>©</a:t>
             </a:r>
             <a:r>
+              <a:rPr lang="is-IS" dirty="0" smtClean="0">
+                <a:solidFill>
+                  <a:srgbClr val="7D868C"/>
+                </a:solidFill>
+                <a:latin typeface="+mn-lt"/>
+                <a:ea typeface="+mn-ea"/>
+                <a:cs typeface="+mn-cs"/>
+              </a:rPr>
+              <a:t>2017</a:t>
+            </a:r>
+            <a:r>
               <a:rPr lang="en-US" dirty="0" smtClean="0">
                 <a:solidFill>
                   <a:srgbClr val="7D868C"/>
@@ -16185,7 +15898,7 @@
                 <a:ea typeface="+mn-ea"/>
                 <a:cs typeface="+mn-cs"/>
               </a:rPr>
-              <a:t>2016 </a:t>
+              <a:t> </a:t>
             </a:r>
             <a:r>
               <a:rPr lang="en-US" dirty="0">
@@ -16859,14 +16572,14 @@
           </a:ln>
           <a:extLst>
             <a:ext uri="{909E8E84-426E-40dd-AFC4-6F175D3DCCD1}">
-              <a14:hiddenFill xmlns:a14="http://schemas.microsoft.com/office/drawing/2010/main" xmlns="">
+              <a14:hiddenFill xmlns="" xmlns:a14="http://schemas.microsoft.com/office/drawing/2010/main">
                 <a:solidFill>
                   <a:srgbClr val="FFFFFF"/>
                 </a:solidFill>
               </a14:hiddenFill>
             </a:ext>
             <a:ext uri="{91240B29-F687-4f45-9708-019B960494DF}">
-              <a14:hiddenLine xmlns:a14="http://schemas.microsoft.com/office/drawing/2010/main" xmlns="" w="9525">
+              <a14:hiddenLine xmlns="" xmlns:a14="http://schemas.microsoft.com/office/drawing/2010/main" w="9525">
                 <a:solidFill>
                   <a:srgbClr val="000000"/>
                 </a:solidFill>
@@ -16946,7 +16659,7 @@
               <a:defRPr/>
             </a:pPr>
             <a:r>
-              <a:rPr lang="en-US" dirty="0">
+              <a:rPr lang="en-US" dirty="0" smtClean="0">
                 <a:solidFill>
                   <a:srgbClr val="7D868C"/>
                 </a:solidFill>
@@ -16957,6 +16670,17 @@
               <a:t>©</a:t>
             </a:r>
             <a:r>
+              <a:rPr lang="is-IS" dirty="0" smtClean="0">
+                <a:solidFill>
+                  <a:srgbClr val="7D868C"/>
+                </a:solidFill>
+                <a:latin typeface="+mn-lt"/>
+                <a:ea typeface="+mn-ea"/>
+                <a:cs typeface="+mn-cs"/>
+              </a:rPr>
+              <a:t>2017</a:t>
+            </a:r>
+            <a:r>
               <a:rPr lang="en-US" dirty="0" smtClean="0">
                 <a:solidFill>
                   <a:srgbClr val="7D868C"/>
@@ -16965,7 +16689,7 @@
                 <a:ea typeface="+mn-ea"/>
                 <a:cs typeface="+mn-cs"/>
               </a:rPr>
-              <a:t>2016 </a:t>
+              <a:t> </a:t>
             </a:r>
             <a:r>
               <a:rPr lang="en-US" dirty="0">
